--- a/6.Crypto/1.Full Course/5.RSAmath/Cryptology5-Public-Key-RSA-Math.pptx
+++ b/6.Crypto/1.Full Course/5.RSAmath/Cryptology5-Public-Key-RSA-Math.pptx
@@ -5,7 +5,7 @@
     <p:sldMasterId id="2147483648" r:id="rId1"/>
   </p:sldMasterIdLst>
   <p:notesMasterIdLst>
-    <p:notesMasterId r:id="rId14"/>
+    <p:notesMasterId r:id="rId15"/>
   </p:notesMasterIdLst>
   <p:sldIdLst>
     <p:sldId id="256" r:id="rId2"/>
@@ -17,9 +17,10 @@
     <p:sldId id="271" r:id="rId8"/>
     <p:sldId id="261" r:id="rId9"/>
     <p:sldId id="273" r:id="rId10"/>
-    <p:sldId id="272" r:id="rId11"/>
-    <p:sldId id="267" r:id="rId12"/>
-    <p:sldId id="264" r:id="rId13"/>
+    <p:sldId id="274" r:id="rId11"/>
+    <p:sldId id="272" r:id="rId12"/>
+    <p:sldId id="267" r:id="rId13"/>
+    <p:sldId id="264" r:id="rId14"/>
   </p:sldIdLst>
   <p:sldSz cx="12192000" cy="6858000"/>
   <p:notesSz cx="6858000" cy="9144000"/>
@@ -211,7 +212,7 @@
           <a:p>
             <a:fld id="{289BAD8F-4DB2-4D2A-B008-EF14D15C42D2}" type="datetimeFigureOut">
               <a:rPr lang="en-US" smtClean="0"/>
-              <a:t>2/17/2023</a:t>
+              <a:t>2/22/2024</a:t>
             </a:fld>
             <a:endParaRPr lang="en-US"/>
           </a:p>
@@ -700,7 +701,7 @@
           <a:p>
             <a:fld id="{FA49A281-5400-4364-9F07-D26EF0A2FEEB}" type="slidenum">
               <a:rPr lang="en-US" smtClean="0"/>
-              <a:t>11</a:t>
+              <a:t>12</a:t>
             </a:fld>
             <a:endParaRPr lang="en-US"/>
           </a:p>
@@ -857,7 +858,7 @@
           <a:p>
             <a:fld id="{FA49A281-5400-4364-9F07-D26EF0A2FEEB}" type="slidenum">
               <a:rPr lang="en-US" smtClean="0"/>
-              <a:t>12</a:t>
+              <a:t>13</a:t>
             </a:fld>
             <a:endParaRPr lang="en-US"/>
           </a:p>
@@ -2438,7 +2439,7 @@
           <a:p>
             <a:fld id="{FA49A281-5400-4364-9F07-D26EF0A2FEEB}" type="slidenum">
               <a:rPr lang="en-US" smtClean="0"/>
-              <a:t>10</a:t>
+              <a:t>11</a:t>
             </a:fld>
             <a:endParaRPr lang="en-US"/>
           </a:p>
@@ -2604,7 +2605,7 @@
           <a:p>
             <a:fld id="{967C471C-5AC8-4A7E-A353-B9ADC61BE9F7}" type="datetimeFigureOut">
               <a:rPr lang="en-US" smtClean="0"/>
-              <a:t>2/17/2023</a:t>
+              <a:t>2/22/2024</a:t>
             </a:fld>
             <a:endParaRPr lang="en-US"/>
           </a:p>
@@ -2802,7 +2803,7 @@
           <a:p>
             <a:fld id="{967C471C-5AC8-4A7E-A353-B9ADC61BE9F7}" type="datetimeFigureOut">
               <a:rPr lang="en-US" smtClean="0"/>
-              <a:t>2/17/2023</a:t>
+              <a:t>2/22/2024</a:t>
             </a:fld>
             <a:endParaRPr lang="en-US"/>
           </a:p>
@@ -3010,7 +3011,7 @@
           <a:p>
             <a:fld id="{967C471C-5AC8-4A7E-A353-B9ADC61BE9F7}" type="datetimeFigureOut">
               <a:rPr lang="en-US" smtClean="0"/>
-              <a:t>2/17/2023</a:t>
+              <a:t>2/22/2024</a:t>
             </a:fld>
             <a:endParaRPr lang="en-US"/>
           </a:p>
@@ -3208,7 +3209,7 @@
           <a:p>
             <a:fld id="{967C471C-5AC8-4A7E-A353-B9ADC61BE9F7}" type="datetimeFigureOut">
               <a:rPr lang="en-US" smtClean="0"/>
-              <a:t>2/17/2023</a:t>
+              <a:t>2/22/2024</a:t>
             </a:fld>
             <a:endParaRPr lang="en-US"/>
           </a:p>
@@ -3483,7 +3484,7 @@
           <a:p>
             <a:fld id="{967C471C-5AC8-4A7E-A353-B9ADC61BE9F7}" type="datetimeFigureOut">
               <a:rPr lang="en-US" smtClean="0"/>
-              <a:t>2/17/2023</a:t>
+              <a:t>2/22/2024</a:t>
             </a:fld>
             <a:endParaRPr lang="en-US"/>
           </a:p>
@@ -3748,7 +3749,7 @@
           <a:p>
             <a:fld id="{967C471C-5AC8-4A7E-A353-B9ADC61BE9F7}" type="datetimeFigureOut">
               <a:rPr lang="en-US" smtClean="0"/>
-              <a:t>2/17/2023</a:t>
+              <a:t>2/22/2024</a:t>
             </a:fld>
             <a:endParaRPr lang="en-US"/>
           </a:p>
@@ -4160,7 +4161,7 @@
           <a:p>
             <a:fld id="{967C471C-5AC8-4A7E-A353-B9ADC61BE9F7}" type="datetimeFigureOut">
               <a:rPr lang="en-US" smtClean="0"/>
-              <a:t>2/17/2023</a:t>
+              <a:t>2/22/2024</a:t>
             </a:fld>
             <a:endParaRPr lang="en-US"/>
           </a:p>
@@ -4301,7 +4302,7 @@
           <a:p>
             <a:fld id="{967C471C-5AC8-4A7E-A353-B9ADC61BE9F7}" type="datetimeFigureOut">
               <a:rPr lang="en-US" smtClean="0"/>
-              <a:t>2/17/2023</a:t>
+              <a:t>2/22/2024</a:t>
             </a:fld>
             <a:endParaRPr lang="en-US"/>
           </a:p>
@@ -4414,7 +4415,7 @@
           <a:p>
             <a:fld id="{967C471C-5AC8-4A7E-A353-B9ADC61BE9F7}" type="datetimeFigureOut">
               <a:rPr lang="en-US" smtClean="0"/>
-              <a:t>2/17/2023</a:t>
+              <a:t>2/22/2024</a:t>
             </a:fld>
             <a:endParaRPr lang="en-US"/>
           </a:p>
@@ -4725,7 +4726,7 @@
           <a:p>
             <a:fld id="{967C471C-5AC8-4A7E-A353-B9ADC61BE9F7}" type="datetimeFigureOut">
               <a:rPr lang="en-US" smtClean="0"/>
-              <a:t>2/17/2023</a:t>
+              <a:t>2/22/2024</a:t>
             </a:fld>
             <a:endParaRPr lang="en-US"/>
           </a:p>
@@ -5013,7 +5014,7 @@
           <a:p>
             <a:fld id="{967C471C-5AC8-4A7E-A353-B9ADC61BE9F7}" type="datetimeFigureOut">
               <a:rPr lang="en-US" smtClean="0"/>
-              <a:t>2/17/2023</a:t>
+              <a:t>2/22/2024</a:t>
             </a:fld>
             <a:endParaRPr lang="en-US"/>
           </a:p>
@@ -5254,7 +5255,7 @@
           <a:p>
             <a:fld id="{967C471C-5AC8-4A7E-A353-B9ADC61BE9F7}" type="datetimeFigureOut">
               <a:rPr lang="en-US" smtClean="0"/>
-              <a:t>2/17/2023</a:t>
+              <a:t>2/22/2024</a:t>
             </a:fld>
             <a:endParaRPr lang="en-US"/>
           </a:p>
@@ -5811,7 +5812,7 @@
           <p:cNvPr id="2" name="Title 1">
             <a:extLst>
               <a:ext uri="{FF2B5EF4-FFF2-40B4-BE49-F238E27FC236}">
-                <a16:creationId xmlns:a16="http://schemas.microsoft.com/office/drawing/2014/main" id="{6A7D4945-6BC2-453B-A238-91E5C8E98E30}"/>
+                <a16:creationId xmlns:a16="http://schemas.microsoft.com/office/drawing/2014/main" id="{F82959C5-760D-6C8C-3E2D-CE3A37AD11E8}"/>
               </a:ext>
             </a:extLst>
           </p:cNvPr>
@@ -5824,22 +5825,24 @@
         </p:nvSpPr>
         <p:spPr/>
         <p:txBody>
-          <a:bodyPr/>
+          <a:bodyPr>
+            <a:normAutofit fontScale="90000"/>
+          </a:bodyPr>
           <a:lstStyle/>
           <a:p>
             <a:r>
-              <a:rPr lang="el-GR" dirty="0"/>
-              <a:t>Λ</a:t>
-            </a:r>
-            <a:r>
-              <a:rPr lang="en-US" dirty="0"/>
-              <a:t> and </a:t>
-            </a:r>
-            <a:r>
-              <a:rPr lang="el-GR" dirty="0"/>
-              <a:t>Φ</a:t>
-            </a:r>
-            <a:endParaRPr lang="en-US" dirty="0"/>
+              <a:rPr lang="en-US" sz="8000" dirty="0"/>
+              <a:t>ℤ</a:t>
+            </a:r>
+            <a:r>
+              <a:rPr lang="en-US" sz="8000" baseline="30000" dirty="0"/>
+              <a:t>* </a:t>
+            </a:r>
+            <a:r>
+              <a:rPr lang="en-US" sz="4000" dirty="0"/>
+              <a:t>Only include numbers with multiplicative inverse</a:t>
+            </a:r>
+            <a:endParaRPr lang="en-US" sz="8000" baseline="30000" dirty="0"/>
           </a:p>
         </p:txBody>
       </p:sp>
@@ -5848,7 +5851,7 @@
           <p:cNvPr id="3" name="Content Placeholder 2">
             <a:extLst>
               <a:ext uri="{FF2B5EF4-FFF2-40B4-BE49-F238E27FC236}">
-                <a16:creationId xmlns:a16="http://schemas.microsoft.com/office/drawing/2014/main" id="{9C3F1ECA-480D-463A-AD5B-66D3B7AC6422}"/>
+                <a16:creationId xmlns:a16="http://schemas.microsoft.com/office/drawing/2014/main" id="{326370AF-15FE-8550-452A-7725975F455E}"/>
               </a:ext>
             </a:extLst>
           </p:cNvPr>
@@ -5859,138 +5862,2119 @@
             <p:ph idx="1"/>
           </p:nvPr>
         </p:nvSpPr>
-        <p:spPr/>
-        <p:txBody>
-          <a:bodyPr>
-            <a:normAutofit/>
+        <p:spPr>
+          <a:xfrm>
+            <a:off x="838200" y="1825625"/>
+            <a:ext cx="10515600" cy="1440089"/>
+          </a:xfrm>
+        </p:spPr>
+        <p:txBody>
+          <a:bodyPr/>
+          <a:lstStyle/>
+          <a:p>
+            <a:r>
+              <a:rPr lang="en-US" dirty="0"/>
+              <a:t>Fulfills identity, closure, commutative, inverse laws</a:t>
+            </a:r>
+          </a:p>
+          <a:p>
+            <a:r>
+              <a:rPr lang="en-US" dirty="0"/>
+              <a:t>Addition is broken, so it is a group (only one operation, fields have addition and multiplication)</a:t>
+            </a:r>
+          </a:p>
+          <a:p>
+            <a:pPr marL="0" indent="0">
+              <a:buNone/>
+            </a:pPr>
+            <a:endParaRPr lang="en-US" dirty="0"/>
+          </a:p>
+        </p:txBody>
+      </p:sp>
+      <p:graphicFrame>
+        <p:nvGraphicFramePr>
+          <p:cNvPr id="4" name="Table 3">
+            <a:extLst>
+              <a:ext uri="{FF2B5EF4-FFF2-40B4-BE49-F238E27FC236}">
+                <a16:creationId xmlns:a16="http://schemas.microsoft.com/office/drawing/2014/main" id="{9B9633C8-0BAF-D596-BDDB-6A9D3DB51D40}"/>
+              </a:ext>
+            </a:extLst>
+          </p:cNvPr>
+          <p:cNvGraphicFramePr>
+            <a:graphicFrameLocks noGrp="1"/>
+          </p:cNvGraphicFramePr>
+          <p:nvPr>
+            <p:extLst>
+              <p:ext uri="{D42A27DB-BD31-4B8C-83A1-F6EECF244321}">
+                <p14:modId xmlns:p14="http://schemas.microsoft.com/office/powerpoint/2010/main" val="1609456001"/>
+              </p:ext>
+            </p:extLst>
+          </p:nvPr>
+        </p:nvGraphicFramePr>
+        <p:xfrm>
+          <a:off x="4417017" y="3400651"/>
+          <a:ext cx="6261316" cy="3070589"/>
+        </p:xfrm>
+        <a:graphic>
+          <a:graphicData uri="http://schemas.openxmlformats.org/drawingml/2006/table">
+            <a:tbl>
+              <a:tblPr>
+                <a:tableStyleId>{5C22544A-7EE6-4342-B048-85BDC9FD1C3A}</a:tableStyleId>
+              </a:tblPr>
+              <a:tblGrid>
+                <a:gridCol w="724540">
+                  <a:extLst>
+                    <a:ext uri="{9D8B030D-6E8A-4147-A177-3AD203B41FA5}">
+                      <a16:colId xmlns:a16="http://schemas.microsoft.com/office/drawing/2014/main" val="2956139468"/>
+                    </a:ext>
+                  </a:extLst>
+                </a:gridCol>
+                <a:gridCol w="692097">
+                  <a:extLst>
+                    <a:ext uri="{9D8B030D-6E8A-4147-A177-3AD203B41FA5}">
+                      <a16:colId xmlns:a16="http://schemas.microsoft.com/office/drawing/2014/main" val="1057814633"/>
+                    </a:ext>
+                  </a:extLst>
+                </a:gridCol>
+                <a:gridCol w="692097">
+                  <a:extLst>
+                    <a:ext uri="{9D8B030D-6E8A-4147-A177-3AD203B41FA5}">
+                      <a16:colId xmlns:a16="http://schemas.microsoft.com/office/drawing/2014/main" val="1419529555"/>
+                    </a:ext>
+                  </a:extLst>
+                </a:gridCol>
+                <a:gridCol w="692097">
+                  <a:extLst>
+                    <a:ext uri="{9D8B030D-6E8A-4147-A177-3AD203B41FA5}">
+                      <a16:colId xmlns:a16="http://schemas.microsoft.com/office/drawing/2014/main" val="984720272"/>
+                    </a:ext>
+                  </a:extLst>
+                </a:gridCol>
+                <a:gridCol w="692097">
+                  <a:extLst>
+                    <a:ext uri="{9D8B030D-6E8A-4147-A177-3AD203B41FA5}">
+                      <a16:colId xmlns:a16="http://schemas.microsoft.com/office/drawing/2014/main" val="3608835521"/>
+                    </a:ext>
+                  </a:extLst>
+                </a:gridCol>
+                <a:gridCol w="692097">
+                  <a:extLst>
+                    <a:ext uri="{9D8B030D-6E8A-4147-A177-3AD203B41FA5}">
+                      <a16:colId xmlns:a16="http://schemas.microsoft.com/office/drawing/2014/main" val="1999408225"/>
+                    </a:ext>
+                  </a:extLst>
+                </a:gridCol>
+                <a:gridCol w="692097">
+                  <a:extLst>
+                    <a:ext uri="{9D8B030D-6E8A-4147-A177-3AD203B41FA5}">
+                      <a16:colId xmlns:a16="http://schemas.microsoft.com/office/drawing/2014/main" val="4017926578"/>
+                    </a:ext>
+                  </a:extLst>
+                </a:gridCol>
+                <a:gridCol w="692097">
+                  <a:extLst>
+                    <a:ext uri="{9D8B030D-6E8A-4147-A177-3AD203B41FA5}">
+                      <a16:colId xmlns:a16="http://schemas.microsoft.com/office/drawing/2014/main" val="1402065688"/>
+                    </a:ext>
+                  </a:extLst>
+                </a:gridCol>
+                <a:gridCol w="692097">
+                  <a:extLst>
+                    <a:ext uri="{9D8B030D-6E8A-4147-A177-3AD203B41FA5}">
+                      <a16:colId xmlns:a16="http://schemas.microsoft.com/office/drawing/2014/main" val="2093546115"/>
+                    </a:ext>
+                  </a:extLst>
+                </a:gridCol>
+              </a:tblGrid>
+              <a:tr h="345757">
+                <a:tc>
+                  <a:txBody>
+                    <a:bodyPr/>
+                    <a:lstStyle/>
+                    <a:p>
+                      <a:pPr algn="l" fontAlgn="b"/>
+                      <a:r>
+                        <a:rPr lang="en-US" sz="1400" u="none" strike="noStrike" dirty="0">
+                          <a:effectLst/>
+                        </a:rPr>
+                        <a:t>ℤ</a:t>
+                      </a:r>
+                      <a:r>
+                        <a:rPr lang="en-US" sz="1400" u="none" strike="noStrike" baseline="-25000" dirty="0">
+                          <a:effectLst/>
+                        </a:rPr>
+                        <a:t>15</a:t>
+                      </a:r>
+                      <a:r>
+                        <a:rPr lang="en-US" sz="1400" u="none" strike="noStrike" dirty="0">
+                          <a:effectLst/>
+                        </a:rPr>
+                        <a:t>* Multiply</a:t>
+                      </a:r>
+                      <a:endParaRPr lang="en-US" sz="1400" b="0" i="0" u="none" strike="noStrike" dirty="0">
+                        <a:solidFill>
+                          <a:srgbClr val="000000"/>
+                        </a:solidFill>
+                        <a:effectLst/>
+                        <a:latin typeface="Calibri" panose="020F0502020204030204" pitchFamily="34" charset="0"/>
+                      </a:endParaRPr>
+                    </a:p>
+                  </a:txBody>
+                  <a:tcPr marL="9525" marR="9525" marT="9525" marB="0" anchor="b"/>
+                </a:tc>
+                <a:tc>
+                  <a:txBody>
+                    <a:bodyPr/>
+                    <a:lstStyle/>
+                    <a:p>
+                      <a:pPr algn="r" fontAlgn="b"/>
+                      <a:r>
+                        <a:rPr lang="en-US" sz="1100" u="none" strike="noStrike">
+                          <a:effectLst/>
+                        </a:rPr>
+                        <a:t>1</a:t>
+                      </a:r>
+                      <a:endParaRPr lang="en-US" sz="1100" b="0" i="0" u="none" strike="noStrike">
+                        <a:solidFill>
+                          <a:srgbClr val="000000"/>
+                        </a:solidFill>
+                        <a:effectLst/>
+                        <a:latin typeface="Calibri" panose="020F0502020204030204" pitchFamily="34" charset="0"/>
+                      </a:endParaRPr>
+                    </a:p>
+                  </a:txBody>
+                  <a:tcPr marL="9525" marR="9525" marT="9525" marB="0" anchor="b"/>
+                </a:tc>
+                <a:tc>
+                  <a:txBody>
+                    <a:bodyPr/>
+                    <a:lstStyle/>
+                    <a:p>
+                      <a:pPr algn="r" fontAlgn="b"/>
+                      <a:r>
+                        <a:rPr lang="en-US" sz="1100" u="none" strike="noStrike">
+                          <a:effectLst/>
+                        </a:rPr>
+                        <a:t>2</a:t>
+                      </a:r>
+                      <a:endParaRPr lang="en-US" sz="1100" b="0" i="0" u="none" strike="noStrike">
+                        <a:solidFill>
+                          <a:srgbClr val="000000"/>
+                        </a:solidFill>
+                        <a:effectLst/>
+                        <a:latin typeface="Calibri" panose="020F0502020204030204" pitchFamily="34" charset="0"/>
+                      </a:endParaRPr>
+                    </a:p>
+                  </a:txBody>
+                  <a:tcPr marL="9525" marR="9525" marT="9525" marB="0" anchor="b"/>
+                </a:tc>
+                <a:tc>
+                  <a:txBody>
+                    <a:bodyPr/>
+                    <a:lstStyle/>
+                    <a:p>
+                      <a:pPr algn="r" fontAlgn="b"/>
+                      <a:r>
+                        <a:rPr lang="en-US" sz="1100" u="none" strike="noStrike">
+                          <a:effectLst/>
+                        </a:rPr>
+                        <a:t>4</a:t>
+                      </a:r>
+                      <a:endParaRPr lang="en-US" sz="1100" b="0" i="0" u="none" strike="noStrike">
+                        <a:solidFill>
+                          <a:srgbClr val="000000"/>
+                        </a:solidFill>
+                        <a:effectLst/>
+                        <a:latin typeface="Calibri" panose="020F0502020204030204" pitchFamily="34" charset="0"/>
+                      </a:endParaRPr>
+                    </a:p>
+                  </a:txBody>
+                  <a:tcPr marL="9525" marR="9525" marT="9525" marB="0" anchor="b"/>
+                </a:tc>
+                <a:tc>
+                  <a:txBody>
+                    <a:bodyPr/>
+                    <a:lstStyle/>
+                    <a:p>
+                      <a:pPr algn="r" fontAlgn="b"/>
+                      <a:r>
+                        <a:rPr lang="en-US" sz="1100" u="none" strike="noStrike">
+                          <a:effectLst/>
+                        </a:rPr>
+                        <a:t>7</a:t>
+                      </a:r>
+                      <a:endParaRPr lang="en-US" sz="1100" b="0" i="0" u="none" strike="noStrike">
+                        <a:solidFill>
+                          <a:srgbClr val="000000"/>
+                        </a:solidFill>
+                        <a:effectLst/>
+                        <a:latin typeface="Calibri" panose="020F0502020204030204" pitchFamily="34" charset="0"/>
+                      </a:endParaRPr>
+                    </a:p>
+                  </a:txBody>
+                  <a:tcPr marL="9525" marR="9525" marT="9525" marB="0" anchor="b"/>
+                </a:tc>
+                <a:tc>
+                  <a:txBody>
+                    <a:bodyPr/>
+                    <a:lstStyle/>
+                    <a:p>
+                      <a:pPr algn="r" fontAlgn="b"/>
+                      <a:r>
+                        <a:rPr lang="en-US" sz="1100" u="none" strike="noStrike">
+                          <a:effectLst/>
+                        </a:rPr>
+                        <a:t>8</a:t>
+                      </a:r>
+                      <a:endParaRPr lang="en-US" sz="1100" b="0" i="0" u="none" strike="noStrike">
+                        <a:solidFill>
+                          <a:srgbClr val="000000"/>
+                        </a:solidFill>
+                        <a:effectLst/>
+                        <a:latin typeface="Calibri" panose="020F0502020204030204" pitchFamily="34" charset="0"/>
+                      </a:endParaRPr>
+                    </a:p>
+                  </a:txBody>
+                  <a:tcPr marL="9525" marR="9525" marT="9525" marB="0" anchor="b"/>
+                </a:tc>
+                <a:tc>
+                  <a:txBody>
+                    <a:bodyPr/>
+                    <a:lstStyle/>
+                    <a:p>
+                      <a:pPr algn="r" fontAlgn="b"/>
+                      <a:r>
+                        <a:rPr lang="en-US" sz="1100" u="none" strike="noStrike">
+                          <a:effectLst/>
+                        </a:rPr>
+                        <a:t>11</a:t>
+                      </a:r>
+                      <a:endParaRPr lang="en-US" sz="1100" b="0" i="0" u="none" strike="noStrike">
+                        <a:solidFill>
+                          <a:srgbClr val="000000"/>
+                        </a:solidFill>
+                        <a:effectLst/>
+                        <a:latin typeface="Calibri" panose="020F0502020204030204" pitchFamily="34" charset="0"/>
+                      </a:endParaRPr>
+                    </a:p>
+                  </a:txBody>
+                  <a:tcPr marL="9525" marR="9525" marT="9525" marB="0" anchor="b"/>
+                </a:tc>
+                <a:tc>
+                  <a:txBody>
+                    <a:bodyPr/>
+                    <a:lstStyle/>
+                    <a:p>
+                      <a:pPr algn="r" fontAlgn="b"/>
+                      <a:r>
+                        <a:rPr lang="en-US" sz="1100" u="none" strike="noStrike">
+                          <a:effectLst/>
+                        </a:rPr>
+                        <a:t>13</a:t>
+                      </a:r>
+                      <a:endParaRPr lang="en-US" sz="1100" b="0" i="0" u="none" strike="noStrike">
+                        <a:solidFill>
+                          <a:srgbClr val="000000"/>
+                        </a:solidFill>
+                        <a:effectLst/>
+                        <a:latin typeface="Calibri" panose="020F0502020204030204" pitchFamily="34" charset="0"/>
+                      </a:endParaRPr>
+                    </a:p>
+                  </a:txBody>
+                  <a:tcPr marL="9525" marR="9525" marT="9525" marB="0" anchor="b"/>
+                </a:tc>
+                <a:tc>
+                  <a:txBody>
+                    <a:bodyPr/>
+                    <a:lstStyle/>
+                    <a:p>
+                      <a:pPr algn="r" fontAlgn="b"/>
+                      <a:r>
+                        <a:rPr lang="en-US" sz="1100" u="none" strike="noStrike">
+                          <a:effectLst/>
+                        </a:rPr>
+                        <a:t>14</a:t>
+                      </a:r>
+                      <a:endParaRPr lang="en-US" sz="1100" b="0" i="0" u="none" strike="noStrike">
+                        <a:solidFill>
+                          <a:srgbClr val="000000"/>
+                        </a:solidFill>
+                        <a:effectLst/>
+                        <a:latin typeface="Calibri" panose="020F0502020204030204" pitchFamily="34" charset="0"/>
+                      </a:endParaRPr>
+                    </a:p>
+                  </a:txBody>
+                  <a:tcPr marL="9525" marR="9525" marT="9525" marB="0" anchor="b"/>
+                </a:tc>
+                <a:extLst>
+                  <a:ext uri="{0D108BD9-81ED-4DB2-BD59-A6C34878D82A}">
+                    <a16:rowId xmlns:a16="http://schemas.microsoft.com/office/drawing/2014/main" val="2670377780"/>
+                  </a:ext>
+                </a:extLst>
+              </a:tr>
+              <a:tr h="329293">
+                <a:tc>
+                  <a:txBody>
+                    <a:bodyPr/>
+                    <a:lstStyle/>
+                    <a:p>
+                      <a:pPr algn="r" fontAlgn="b"/>
+                      <a:r>
+                        <a:rPr lang="en-US" sz="1100" u="none" strike="noStrike">
+                          <a:effectLst/>
+                        </a:rPr>
+                        <a:t>1</a:t>
+                      </a:r>
+                      <a:endParaRPr lang="en-US" sz="1100" b="0" i="0" u="none" strike="noStrike">
+                        <a:solidFill>
+                          <a:srgbClr val="000000"/>
+                        </a:solidFill>
+                        <a:effectLst/>
+                        <a:latin typeface="Calibri" panose="020F0502020204030204" pitchFamily="34" charset="0"/>
+                      </a:endParaRPr>
+                    </a:p>
+                  </a:txBody>
+                  <a:tcPr marL="9525" marR="9525" marT="9525" marB="0" anchor="b"/>
+                </a:tc>
+                <a:tc>
+                  <a:txBody>
+                    <a:bodyPr/>
+                    <a:lstStyle/>
+                    <a:p>
+                      <a:pPr algn="r" fontAlgn="b"/>
+                      <a:r>
+                        <a:rPr lang="en-US" sz="1100" u="none" strike="noStrike">
+                          <a:effectLst/>
+                        </a:rPr>
+                        <a:t>1</a:t>
+                      </a:r>
+                      <a:endParaRPr lang="en-US" sz="1100" b="0" i="0" u="none" strike="noStrike">
+                        <a:solidFill>
+                          <a:srgbClr val="000000"/>
+                        </a:solidFill>
+                        <a:effectLst/>
+                        <a:latin typeface="Calibri" panose="020F0502020204030204" pitchFamily="34" charset="0"/>
+                      </a:endParaRPr>
+                    </a:p>
+                  </a:txBody>
+                  <a:tcPr marL="9525" marR="9525" marT="9525" marB="0" anchor="b"/>
+                </a:tc>
+                <a:tc>
+                  <a:txBody>
+                    <a:bodyPr/>
+                    <a:lstStyle/>
+                    <a:p>
+                      <a:pPr algn="r" fontAlgn="b"/>
+                      <a:r>
+                        <a:rPr lang="en-US" sz="1100" u="none" strike="noStrike">
+                          <a:effectLst/>
+                        </a:rPr>
+                        <a:t>2</a:t>
+                      </a:r>
+                      <a:endParaRPr lang="en-US" sz="1100" b="0" i="0" u="none" strike="noStrike">
+                        <a:solidFill>
+                          <a:srgbClr val="000000"/>
+                        </a:solidFill>
+                        <a:effectLst/>
+                        <a:latin typeface="Calibri" panose="020F0502020204030204" pitchFamily="34" charset="0"/>
+                      </a:endParaRPr>
+                    </a:p>
+                  </a:txBody>
+                  <a:tcPr marL="9525" marR="9525" marT="9525" marB="0" anchor="b"/>
+                </a:tc>
+                <a:tc>
+                  <a:txBody>
+                    <a:bodyPr/>
+                    <a:lstStyle/>
+                    <a:p>
+                      <a:pPr algn="r" fontAlgn="b"/>
+                      <a:r>
+                        <a:rPr lang="en-US" sz="1100" u="none" strike="noStrike">
+                          <a:effectLst/>
+                        </a:rPr>
+                        <a:t>4</a:t>
+                      </a:r>
+                      <a:endParaRPr lang="en-US" sz="1100" b="0" i="0" u="none" strike="noStrike">
+                        <a:solidFill>
+                          <a:srgbClr val="000000"/>
+                        </a:solidFill>
+                        <a:effectLst/>
+                        <a:latin typeface="Calibri" panose="020F0502020204030204" pitchFamily="34" charset="0"/>
+                      </a:endParaRPr>
+                    </a:p>
+                  </a:txBody>
+                  <a:tcPr marL="9525" marR="9525" marT="9525" marB="0" anchor="b"/>
+                </a:tc>
+                <a:tc>
+                  <a:txBody>
+                    <a:bodyPr/>
+                    <a:lstStyle/>
+                    <a:p>
+                      <a:pPr algn="r" fontAlgn="b"/>
+                      <a:r>
+                        <a:rPr lang="en-US" sz="1100" u="none" strike="noStrike">
+                          <a:effectLst/>
+                        </a:rPr>
+                        <a:t>7</a:t>
+                      </a:r>
+                      <a:endParaRPr lang="en-US" sz="1100" b="0" i="0" u="none" strike="noStrike">
+                        <a:solidFill>
+                          <a:srgbClr val="000000"/>
+                        </a:solidFill>
+                        <a:effectLst/>
+                        <a:latin typeface="Calibri" panose="020F0502020204030204" pitchFamily="34" charset="0"/>
+                      </a:endParaRPr>
+                    </a:p>
+                  </a:txBody>
+                  <a:tcPr marL="9525" marR="9525" marT="9525" marB="0" anchor="b"/>
+                </a:tc>
+                <a:tc>
+                  <a:txBody>
+                    <a:bodyPr/>
+                    <a:lstStyle/>
+                    <a:p>
+                      <a:pPr algn="r" fontAlgn="b"/>
+                      <a:r>
+                        <a:rPr lang="en-US" sz="1100" u="none" strike="noStrike">
+                          <a:effectLst/>
+                        </a:rPr>
+                        <a:t>8</a:t>
+                      </a:r>
+                      <a:endParaRPr lang="en-US" sz="1100" b="0" i="0" u="none" strike="noStrike">
+                        <a:solidFill>
+                          <a:srgbClr val="000000"/>
+                        </a:solidFill>
+                        <a:effectLst/>
+                        <a:latin typeface="Calibri" panose="020F0502020204030204" pitchFamily="34" charset="0"/>
+                      </a:endParaRPr>
+                    </a:p>
+                  </a:txBody>
+                  <a:tcPr marL="9525" marR="9525" marT="9525" marB="0" anchor="b"/>
+                </a:tc>
+                <a:tc>
+                  <a:txBody>
+                    <a:bodyPr/>
+                    <a:lstStyle/>
+                    <a:p>
+                      <a:pPr algn="r" fontAlgn="b"/>
+                      <a:r>
+                        <a:rPr lang="en-US" sz="1100" u="none" strike="noStrike">
+                          <a:effectLst/>
+                        </a:rPr>
+                        <a:t>11</a:t>
+                      </a:r>
+                      <a:endParaRPr lang="en-US" sz="1100" b="0" i="0" u="none" strike="noStrike">
+                        <a:solidFill>
+                          <a:srgbClr val="000000"/>
+                        </a:solidFill>
+                        <a:effectLst/>
+                        <a:latin typeface="Calibri" panose="020F0502020204030204" pitchFamily="34" charset="0"/>
+                      </a:endParaRPr>
+                    </a:p>
+                  </a:txBody>
+                  <a:tcPr marL="9525" marR="9525" marT="9525" marB="0" anchor="b"/>
+                </a:tc>
+                <a:tc>
+                  <a:txBody>
+                    <a:bodyPr/>
+                    <a:lstStyle/>
+                    <a:p>
+                      <a:pPr algn="r" fontAlgn="b"/>
+                      <a:r>
+                        <a:rPr lang="en-US" sz="1100" u="none" strike="noStrike">
+                          <a:effectLst/>
+                        </a:rPr>
+                        <a:t>13</a:t>
+                      </a:r>
+                      <a:endParaRPr lang="en-US" sz="1100" b="0" i="0" u="none" strike="noStrike">
+                        <a:solidFill>
+                          <a:srgbClr val="000000"/>
+                        </a:solidFill>
+                        <a:effectLst/>
+                        <a:latin typeface="Calibri" panose="020F0502020204030204" pitchFamily="34" charset="0"/>
+                      </a:endParaRPr>
+                    </a:p>
+                  </a:txBody>
+                  <a:tcPr marL="9525" marR="9525" marT="9525" marB="0" anchor="b"/>
+                </a:tc>
+                <a:tc>
+                  <a:txBody>
+                    <a:bodyPr/>
+                    <a:lstStyle/>
+                    <a:p>
+                      <a:pPr algn="r" fontAlgn="b"/>
+                      <a:r>
+                        <a:rPr lang="en-US" sz="1100" u="none" strike="noStrike">
+                          <a:effectLst/>
+                        </a:rPr>
+                        <a:t>14</a:t>
+                      </a:r>
+                      <a:endParaRPr lang="en-US" sz="1100" b="0" i="0" u="none" strike="noStrike">
+                        <a:solidFill>
+                          <a:srgbClr val="000000"/>
+                        </a:solidFill>
+                        <a:effectLst/>
+                        <a:latin typeface="Calibri" panose="020F0502020204030204" pitchFamily="34" charset="0"/>
+                      </a:endParaRPr>
+                    </a:p>
+                  </a:txBody>
+                  <a:tcPr marL="9525" marR="9525" marT="9525" marB="0" anchor="b"/>
+                </a:tc>
+                <a:extLst>
+                  <a:ext uri="{0D108BD9-81ED-4DB2-BD59-A6C34878D82A}">
+                    <a16:rowId xmlns:a16="http://schemas.microsoft.com/office/drawing/2014/main" val="973648922"/>
+                  </a:ext>
+                </a:extLst>
+              </a:tr>
+              <a:tr h="329293">
+                <a:tc>
+                  <a:txBody>
+                    <a:bodyPr/>
+                    <a:lstStyle/>
+                    <a:p>
+                      <a:pPr algn="r" fontAlgn="b"/>
+                      <a:r>
+                        <a:rPr lang="en-US" sz="1100" u="none" strike="noStrike">
+                          <a:effectLst/>
+                        </a:rPr>
+                        <a:t>2</a:t>
+                      </a:r>
+                      <a:endParaRPr lang="en-US" sz="1100" b="0" i="0" u="none" strike="noStrike">
+                        <a:solidFill>
+                          <a:srgbClr val="000000"/>
+                        </a:solidFill>
+                        <a:effectLst/>
+                        <a:latin typeface="Calibri" panose="020F0502020204030204" pitchFamily="34" charset="0"/>
+                      </a:endParaRPr>
+                    </a:p>
+                  </a:txBody>
+                  <a:tcPr marL="9525" marR="9525" marT="9525" marB="0" anchor="b"/>
+                </a:tc>
+                <a:tc>
+                  <a:txBody>
+                    <a:bodyPr/>
+                    <a:lstStyle/>
+                    <a:p>
+                      <a:pPr algn="r" fontAlgn="b"/>
+                      <a:r>
+                        <a:rPr lang="en-US" sz="1100" u="none" strike="noStrike">
+                          <a:effectLst/>
+                        </a:rPr>
+                        <a:t>2</a:t>
+                      </a:r>
+                      <a:endParaRPr lang="en-US" sz="1100" b="0" i="0" u="none" strike="noStrike">
+                        <a:solidFill>
+                          <a:srgbClr val="000000"/>
+                        </a:solidFill>
+                        <a:effectLst/>
+                        <a:latin typeface="Calibri" panose="020F0502020204030204" pitchFamily="34" charset="0"/>
+                      </a:endParaRPr>
+                    </a:p>
+                  </a:txBody>
+                  <a:tcPr marL="9525" marR="9525" marT="9525" marB="0" anchor="b"/>
+                </a:tc>
+                <a:tc>
+                  <a:txBody>
+                    <a:bodyPr/>
+                    <a:lstStyle/>
+                    <a:p>
+                      <a:pPr algn="r" fontAlgn="b"/>
+                      <a:r>
+                        <a:rPr lang="en-US" sz="1100" u="none" strike="noStrike">
+                          <a:effectLst/>
+                        </a:rPr>
+                        <a:t>4</a:t>
+                      </a:r>
+                      <a:endParaRPr lang="en-US" sz="1100" b="0" i="0" u="none" strike="noStrike">
+                        <a:solidFill>
+                          <a:srgbClr val="000000"/>
+                        </a:solidFill>
+                        <a:effectLst/>
+                        <a:latin typeface="Calibri" panose="020F0502020204030204" pitchFamily="34" charset="0"/>
+                      </a:endParaRPr>
+                    </a:p>
+                  </a:txBody>
+                  <a:tcPr marL="9525" marR="9525" marT="9525" marB="0" anchor="b"/>
+                </a:tc>
+                <a:tc>
+                  <a:txBody>
+                    <a:bodyPr/>
+                    <a:lstStyle/>
+                    <a:p>
+                      <a:pPr algn="r" fontAlgn="b"/>
+                      <a:r>
+                        <a:rPr lang="en-US" sz="1100" u="none" strike="noStrike">
+                          <a:effectLst/>
+                        </a:rPr>
+                        <a:t>8</a:t>
+                      </a:r>
+                      <a:endParaRPr lang="en-US" sz="1100" b="0" i="0" u="none" strike="noStrike">
+                        <a:solidFill>
+                          <a:srgbClr val="000000"/>
+                        </a:solidFill>
+                        <a:effectLst/>
+                        <a:latin typeface="Calibri" panose="020F0502020204030204" pitchFamily="34" charset="0"/>
+                      </a:endParaRPr>
+                    </a:p>
+                  </a:txBody>
+                  <a:tcPr marL="9525" marR="9525" marT="9525" marB="0" anchor="b"/>
+                </a:tc>
+                <a:tc>
+                  <a:txBody>
+                    <a:bodyPr/>
+                    <a:lstStyle/>
+                    <a:p>
+                      <a:pPr algn="r" fontAlgn="b"/>
+                      <a:r>
+                        <a:rPr lang="en-US" sz="1100" u="none" strike="noStrike" dirty="0">
+                          <a:effectLst/>
+                        </a:rPr>
+                        <a:t>14</a:t>
+                      </a:r>
+                      <a:endParaRPr lang="en-US" sz="1100" b="0" i="0" u="none" strike="noStrike" dirty="0">
+                        <a:solidFill>
+                          <a:srgbClr val="000000"/>
+                        </a:solidFill>
+                        <a:effectLst/>
+                        <a:latin typeface="Calibri" panose="020F0502020204030204" pitchFamily="34" charset="0"/>
+                      </a:endParaRPr>
+                    </a:p>
+                  </a:txBody>
+                  <a:tcPr marL="9525" marR="9525" marT="9525" marB="0" anchor="b"/>
+                </a:tc>
+                <a:tc>
+                  <a:txBody>
+                    <a:bodyPr/>
+                    <a:lstStyle/>
+                    <a:p>
+                      <a:pPr algn="r" fontAlgn="b"/>
+                      <a:r>
+                        <a:rPr lang="en-US" sz="1100" u="none" strike="noStrike">
+                          <a:effectLst/>
+                        </a:rPr>
+                        <a:t>1</a:t>
+                      </a:r>
+                      <a:endParaRPr lang="en-US" sz="1100" b="0" i="0" u="none" strike="noStrike">
+                        <a:solidFill>
+                          <a:srgbClr val="000000"/>
+                        </a:solidFill>
+                        <a:effectLst/>
+                        <a:latin typeface="Calibri" panose="020F0502020204030204" pitchFamily="34" charset="0"/>
+                      </a:endParaRPr>
+                    </a:p>
+                  </a:txBody>
+                  <a:tcPr marL="9525" marR="9525" marT="9525" marB="0" anchor="b"/>
+                </a:tc>
+                <a:tc>
+                  <a:txBody>
+                    <a:bodyPr/>
+                    <a:lstStyle/>
+                    <a:p>
+                      <a:pPr algn="r" fontAlgn="b"/>
+                      <a:r>
+                        <a:rPr lang="en-US" sz="1100" u="none" strike="noStrike">
+                          <a:effectLst/>
+                        </a:rPr>
+                        <a:t>7</a:t>
+                      </a:r>
+                      <a:endParaRPr lang="en-US" sz="1100" b="0" i="0" u="none" strike="noStrike">
+                        <a:solidFill>
+                          <a:srgbClr val="000000"/>
+                        </a:solidFill>
+                        <a:effectLst/>
+                        <a:latin typeface="Calibri" panose="020F0502020204030204" pitchFamily="34" charset="0"/>
+                      </a:endParaRPr>
+                    </a:p>
+                  </a:txBody>
+                  <a:tcPr marL="9525" marR="9525" marT="9525" marB="0" anchor="b"/>
+                </a:tc>
+                <a:tc>
+                  <a:txBody>
+                    <a:bodyPr/>
+                    <a:lstStyle/>
+                    <a:p>
+                      <a:pPr algn="r" fontAlgn="b"/>
+                      <a:r>
+                        <a:rPr lang="en-US" sz="1100" u="none" strike="noStrike">
+                          <a:effectLst/>
+                        </a:rPr>
+                        <a:t>11</a:t>
+                      </a:r>
+                      <a:endParaRPr lang="en-US" sz="1100" b="0" i="0" u="none" strike="noStrike">
+                        <a:solidFill>
+                          <a:srgbClr val="000000"/>
+                        </a:solidFill>
+                        <a:effectLst/>
+                        <a:latin typeface="Calibri" panose="020F0502020204030204" pitchFamily="34" charset="0"/>
+                      </a:endParaRPr>
+                    </a:p>
+                  </a:txBody>
+                  <a:tcPr marL="9525" marR="9525" marT="9525" marB="0" anchor="b"/>
+                </a:tc>
+                <a:tc>
+                  <a:txBody>
+                    <a:bodyPr/>
+                    <a:lstStyle/>
+                    <a:p>
+                      <a:pPr algn="r" fontAlgn="b"/>
+                      <a:r>
+                        <a:rPr lang="en-US" sz="1100" u="none" strike="noStrike">
+                          <a:effectLst/>
+                        </a:rPr>
+                        <a:t>13</a:t>
+                      </a:r>
+                      <a:endParaRPr lang="en-US" sz="1100" b="0" i="0" u="none" strike="noStrike">
+                        <a:solidFill>
+                          <a:srgbClr val="000000"/>
+                        </a:solidFill>
+                        <a:effectLst/>
+                        <a:latin typeface="Calibri" panose="020F0502020204030204" pitchFamily="34" charset="0"/>
+                      </a:endParaRPr>
+                    </a:p>
+                  </a:txBody>
+                  <a:tcPr marL="9525" marR="9525" marT="9525" marB="0" anchor="b"/>
+                </a:tc>
+                <a:extLst>
+                  <a:ext uri="{0D108BD9-81ED-4DB2-BD59-A6C34878D82A}">
+                    <a16:rowId xmlns:a16="http://schemas.microsoft.com/office/drawing/2014/main" val="2881938715"/>
+                  </a:ext>
+                </a:extLst>
+              </a:tr>
+              <a:tr h="329293">
+                <a:tc>
+                  <a:txBody>
+                    <a:bodyPr/>
+                    <a:lstStyle/>
+                    <a:p>
+                      <a:pPr algn="r" fontAlgn="b"/>
+                      <a:r>
+                        <a:rPr lang="en-US" sz="1100" u="none" strike="noStrike">
+                          <a:effectLst/>
+                        </a:rPr>
+                        <a:t>4</a:t>
+                      </a:r>
+                      <a:endParaRPr lang="en-US" sz="1100" b="0" i="0" u="none" strike="noStrike">
+                        <a:solidFill>
+                          <a:srgbClr val="000000"/>
+                        </a:solidFill>
+                        <a:effectLst/>
+                        <a:latin typeface="Calibri" panose="020F0502020204030204" pitchFamily="34" charset="0"/>
+                      </a:endParaRPr>
+                    </a:p>
+                  </a:txBody>
+                  <a:tcPr marL="9525" marR="9525" marT="9525" marB="0" anchor="b"/>
+                </a:tc>
+                <a:tc>
+                  <a:txBody>
+                    <a:bodyPr/>
+                    <a:lstStyle/>
+                    <a:p>
+                      <a:pPr algn="r" fontAlgn="b"/>
+                      <a:r>
+                        <a:rPr lang="en-US" sz="1100" u="none" strike="noStrike">
+                          <a:effectLst/>
+                        </a:rPr>
+                        <a:t>4</a:t>
+                      </a:r>
+                      <a:endParaRPr lang="en-US" sz="1100" b="0" i="0" u="none" strike="noStrike">
+                        <a:solidFill>
+                          <a:srgbClr val="000000"/>
+                        </a:solidFill>
+                        <a:effectLst/>
+                        <a:latin typeface="Calibri" panose="020F0502020204030204" pitchFamily="34" charset="0"/>
+                      </a:endParaRPr>
+                    </a:p>
+                  </a:txBody>
+                  <a:tcPr marL="9525" marR="9525" marT="9525" marB="0" anchor="b"/>
+                </a:tc>
+                <a:tc>
+                  <a:txBody>
+                    <a:bodyPr/>
+                    <a:lstStyle/>
+                    <a:p>
+                      <a:pPr algn="r" fontAlgn="b"/>
+                      <a:r>
+                        <a:rPr lang="en-US" sz="1100" u="none" strike="noStrike" dirty="0">
+                          <a:effectLst/>
+                        </a:rPr>
+                        <a:t>8</a:t>
+                      </a:r>
+                      <a:endParaRPr lang="en-US" sz="1100" b="0" i="0" u="none" strike="noStrike" dirty="0">
+                        <a:solidFill>
+                          <a:srgbClr val="000000"/>
+                        </a:solidFill>
+                        <a:effectLst/>
+                        <a:latin typeface="Calibri" panose="020F0502020204030204" pitchFamily="34" charset="0"/>
+                      </a:endParaRPr>
+                    </a:p>
+                  </a:txBody>
+                  <a:tcPr marL="9525" marR="9525" marT="9525" marB="0" anchor="b"/>
+                </a:tc>
+                <a:tc>
+                  <a:txBody>
+                    <a:bodyPr/>
+                    <a:lstStyle/>
+                    <a:p>
+                      <a:pPr algn="r" fontAlgn="b"/>
+                      <a:r>
+                        <a:rPr lang="en-US" sz="1100" u="none" strike="noStrike">
+                          <a:effectLst/>
+                        </a:rPr>
+                        <a:t>1</a:t>
+                      </a:r>
+                      <a:endParaRPr lang="en-US" sz="1100" b="0" i="0" u="none" strike="noStrike">
+                        <a:solidFill>
+                          <a:srgbClr val="000000"/>
+                        </a:solidFill>
+                        <a:effectLst/>
+                        <a:latin typeface="Calibri" panose="020F0502020204030204" pitchFamily="34" charset="0"/>
+                      </a:endParaRPr>
+                    </a:p>
+                  </a:txBody>
+                  <a:tcPr marL="9525" marR="9525" marT="9525" marB="0" anchor="b"/>
+                </a:tc>
+                <a:tc>
+                  <a:txBody>
+                    <a:bodyPr/>
+                    <a:lstStyle/>
+                    <a:p>
+                      <a:pPr algn="r" fontAlgn="b"/>
+                      <a:r>
+                        <a:rPr lang="en-US" sz="1100" u="none" strike="noStrike">
+                          <a:effectLst/>
+                        </a:rPr>
+                        <a:t>13</a:t>
+                      </a:r>
+                      <a:endParaRPr lang="en-US" sz="1100" b="0" i="0" u="none" strike="noStrike">
+                        <a:solidFill>
+                          <a:srgbClr val="000000"/>
+                        </a:solidFill>
+                        <a:effectLst/>
+                        <a:latin typeface="Calibri" panose="020F0502020204030204" pitchFamily="34" charset="0"/>
+                      </a:endParaRPr>
+                    </a:p>
+                  </a:txBody>
+                  <a:tcPr marL="9525" marR="9525" marT="9525" marB="0" anchor="b"/>
+                </a:tc>
+                <a:tc>
+                  <a:txBody>
+                    <a:bodyPr/>
+                    <a:lstStyle/>
+                    <a:p>
+                      <a:pPr algn="r" fontAlgn="b"/>
+                      <a:r>
+                        <a:rPr lang="en-US" sz="1100" u="none" strike="noStrike">
+                          <a:effectLst/>
+                        </a:rPr>
+                        <a:t>2</a:t>
+                      </a:r>
+                      <a:endParaRPr lang="en-US" sz="1100" b="0" i="0" u="none" strike="noStrike">
+                        <a:solidFill>
+                          <a:srgbClr val="000000"/>
+                        </a:solidFill>
+                        <a:effectLst/>
+                        <a:latin typeface="Calibri" panose="020F0502020204030204" pitchFamily="34" charset="0"/>
+                      </a:endParaRPr>
+                    </a:p>
+                  </a:txBody>
+                  <a:tcPr marL="9525" marR="9525" marT="9525" marB="0" anchor="b"/>
+                </a:tc>
+                <a:tc>
+                  <a:txBody>
+                    <a:bodyPr/>
+                    <a:lstStyle/>
+                    <a:p>
+                      <a:pPr algn="r" fontAlgn="b"/>
+                      <a:r>
+                        <a:rPr lang="en-US" sz="1100" u="none" strike="noStrike">
+                          <a:effectLst/>
+                        </a:rPr>
+                        <a:t>14</a:t>
+                      </a:r>
+                      <a:endParaRPr lang="en-US" sz="1100" b="0" i="0" u="none" strike="noStrike">
+                        <a:solidFill>
+                          <a:srgbClr val="000000"/>
+                        </a:solidFill>
+                        <a:effectLst/>
+                        <a:latin typeface="Calibri" panose="020F0502020204030204" pitchFamily="34" charset="0"/>
+                      </a:endParaRPr>
+                    </a:p>
+                  </a:txBody>
+                  <a:tcPr marL="9525" marR="9525" marT="9525" marB="0" anchor="b"/>
+                </a:tc>
+                <a:tc>
+                  <a:txBody>
+                    <a:bodyPr/>
+                    <a:lstStyle/>
+                    <a:p>
+                      <a:pPr algn="r" fontAlgn="b"/>
+                      <a:r>
+                        <a:rPr lang="en-US" sz="1100" u="none" strike="noStrike">
+                          <a:effectLst/>
+                        </a:rPr>
+                        <a:t>7</a:t>
+                      </a:r>
+                      <a:endParaRPr lang="en-US" sz="1100" b="0" i="0" u="none" strike="noStrike">
+                        <a:solidFill>
+                          <a:srgbClr val="000000"/>
+                        </a:solidFill>
+                        <a:effectLst/>
+                        <a:latin typeface="Calibri" panose="020F0502020204030204" pitchFamily="34" charset="0"/>
+                      </a:endParaRPr>
+                    </a:p>
+                  </a:txBody>
+                  <a:tcPr marL="9525" marR="9525" marT="9525" marB="0" anchor="b"/>
+                </a:tc>
+                <a:tc>
+                  <a:txBody>
+                    <a:bodyPr/>
+                    <a:lstStyle/>
+                    <a:p>
+                      <a:pPr algn="r" fontAlgn="b"/>
+                      <a:r>
+                        <a:rPr lang="en-US" sz="1100" u="none" strike="noStrike">
+                          <a:effectLst/>
+                        </a:rPr>
+                        <a:t>11</a:t>
+                      </a:r>
+                      <a:endParaRPr lang="en-US" sz="1100" b="0" i="0" u="none" strike="noStrike">
+                        <a:solidFill>
+                          <a:srgbClr val="000000"/>
+                        </a:solidFill>
+                        <a:effectLst/>
+                        <a:latin typeface="Calibri" panose="020F0502020204030204" pitchFamily="34" charset="0"/>
+                      </a:endParaRPr>
+                    </a:p>
+                  </a:txBody>
+                  <a:tcPr marL="9525" marR="9525" marT="9525" marB="0" anchor="b"/>
+                </a:tc>
+                <a:extLst>
+                  <a:ext uri="{0D108BD9-81ED-4DB2-BD59-A6C34878D82A}">
+                    <a16:rowId xmlns:a16="http://schemas.microsoft.com/office/drawing/2014/main" val="1697422776"/>
+                  </a:ext>
+                </a:extLst>
+              </a:tr>
+              <a:tr h="329293">
+                <a:tc>
+                  <a:txBody>
+                    <a:bodyPr/>
+                    <a:lstStyle/>
+                    <a:p>
+                      <a:pPr algn="r" fontAlgn="b"/>
+                      <a:r>
+                        <a:rPr lang="en-US" sz="1100" u="none" strike="noStrike">
+                          <a:effectLst/>
+                        </a:rPr>
+                        <a:t>7</a:t>
+                      </a:r>
+                      <a:endParaRPr lang="en-US" sz="1100" b="0" i="0" u="none" strike="noStrike">
+                        <a:solidFill>
+                          <a:srgbClr val="000000"/>
+                        </a:solidFill>
+                        <a:effectLst/>
+                        <a:latin typeface="Calibri" panose="020F0502020204030204" pitchFamily="34" charset="0"/>
+                      </a:endParaRPr>
+                    </a:p>
+                  </a:txBody>
+                  <a:tcPr marL="9525" marR="9525" marT="9525" marB="0" anchor="b"/>
+                </a:tc>
+                <a:tc>
+                  <a:txBody>
+                    <a:bodyPr/>
+                    <a:lstStyle/>
+                    <a:p>
+                      <a:pPr algn="r" fontAlgn="b"/>
+                      <a:r>
+                        <a:rPr lang="en-US" sz="1100" u="none" strike="noStrike">
+                          <a:effectLst/>
+                        </a:rPr>
+                        <a:t>7</a:t>
+                      </a:r>
+                      <a:endParaRPr lang="en-US" sz="1100" b="0" i="0" u="none" strike="noStrike">
+                        <a:solidFill>
+                          <a:srgbClr val="000000"/>
+                        </a:solidFill>
+                        <a:effectLst/>
+                        <a:latin typeface="Calibri" panose="020F0502020204030204" pitchFamily="34" charset="0"/>
+                      </a:endParaRPr>
+                    </a:p>
+                  </a:txBody>
+                  <a:tcPr marL="9525" marR="9525" marT="9525" marB="0" anchor="b"/>
+                </a:tc>
+                <a:tc>
+                  <a:txBody>
+                    <a:bodyPr/>
+                    <a:lstStyle/>
+                    <a:p>
+                      <a:pPr algn="r" fontAlgn="b"/>
+                      <a:r>
+                        <a:rPr lang="en-US" sz="1100" u="none" strike="noStrike">
+                          <a:effectLst/>
+                        </a:rPr>
+                        <a:t>14</a:t>
+                      </a:r>
+                      <a:endParaRPr lang="en-US" sz="1100" b="0" i="0" u="none" strike="noStrike">
+                        <a:solidFill>
+                          <a:srgbClr val="000000"/>
+                        </a:solidFill>
+                        <a:effectLst/>
+                        <a:latin typeface="Calibri" panose="020F0502020204030204" pitchFamily="34" charset="0"/>
+                      </a:endParaRPr>
+                    </a:p>
+                  </a:txBody>
+                  <a:tcPr marL="9525" marR="9525" marT="9525" marB="0" anchor="b"/>
+                </a:tc>
+                <a:tc>
+                  <a:txBody>
+                    <a:bodyPr/>
+                    <a:lstStyle/>
+                    <a:p>
+                      <a:pPr algn="r" fontAlgn="b"/>
+                      <a:r>
+                        <a:rPr lang="en-US" sz="1100" u="none" strike="noStrike">
+                          <a:effectLst/>
+                        </a:rPr>
+                        <a:t>13</a:t>
+                      </a:r>
+                      <a:endParaRPr lang="en-US" sz="1100" b="0" i="0" u="none" strike="noStrike">
+                        <a:solidFill>
+                          <a:srgbClr val="000000"/>
+                        </a:solidFill>
+                        <a:effectLst/>
+                        <a:latin typeface="Calibri" panose="020F0502020204030204" pitchFamily="34" charset="0"/>
+                      </a:endParaRPr>
+                    </a:p>
+                  </a:txBody>
+                  <a:tcPr marL="9525" marR="9525" marT="9525" marB="0" anchor="b"/>
+                </a:tc>
+                <a:tc>
+                  <a:txBody>
+                    <a:bodyPr/>
+                    <a:lstStyle/>
+                    <a:p>
+                      <a:pPr algn="r" fontAlgn="b"/>
+                      <a:r>
+                        <a:rPr lang="en-US" sz="1100" u="none" strike="noStrike">
+                          <a:effectLst/>
+                        </a:rPr>
+                        <a:t>4</a:t>
+                      </a:r>
+                      <a:endParaRPr lang="en-US" sz="1100" b="0" i="0" u="none" strike="noStrike">
+                        <a:solidFill>
+                          <a:srgbClr val="000000"/>
+                        </a:solidFill>
+                        <a:effectLst/>
+                        <a:latin typeface="Calibri" panose="020F0502020204030204" pitchFamily="34" charset="0"/>
+                      </a:endParaRPr>
+                    </a:p>
+                  </a:txBody>
+                  <a:tcPr marL="9525" marR="9525" marT="9525" marB="0" anchor="b"/>
+                </a:tc>
+                <a:tc>
+                  <a:txBody>
+                    <a:bodyPr/>
+                    <a:lstStyle/>
+                    <a:p>
+                      <a:pPr algn="r" fontAlgn="b"/>
+                      <a:r>
+                        <a:rPr lang="en-US" sz="1100" u="none" strike="noStrike">
+                          <a:effectLst/>
+                        </a:rPr>
+                        <a:t>11</a:t>
+                      </a:r>
+                      <a:endParaRPr lang="en-US" sz="1100" b="0" i="0" u="none" strike="noStrike">
+                        <a:solidFill>
+                          <a:srgbClr val="000000"/>
+                        </a:solidFill>
+                        <a:effectLst/>
+                        <a:latin typeface="Calibri" panose="020F0502020204030204" pitchFamily="34" charset="0"/>
+                      </a:endParaRPr>
+                    </a:p>
+                  </a:txBody>
+                  <a:tcPr marL="9525" marR="9525" marT="9525" marB="0" anchor="b"/>
+                </a:tc>
+                <a:tc>
+                  <a:txBody>
+                    <a:bodyPr/>
+                    <a:lstStyle/>
+                    <a:p>
+                      <a:pPr algn="r" fontAlgn="b"/>
+                      <a:r>
+                        <a:rPr lang="en-US" sz="1100" u="none" strike="noStrike">
+                          <a:effectLst/>
+                        </a:rPr>
+                        <a:t>2</a:t>
+                      </a:r>
+                      <a:endParaRPr lang="en-US" sz="1100" b="0" i="0" u="none" strike="noStrike">
+                        <a:solidFill>
+                          <a:srgbClr val="000000"/>
+                        </a:solidFill>
+                        <a:effectLst/>
+                        <a:latin typeface="Calibri" panose="020F0502020204030204" pitchFamily="34" charset="0"/>
+                      </a:endParaRPr>
+                    </a:p>
+                  </a:txBody>
+                  <a:tcPr marL="9525" marR="9525" marT="9525" marB="0" anchor="b"/>
+                </a:tc>
+                <a:tc>
+                  <a:txBody>
+                    <a:bodyPr/>
+                    <a:lstStyle/>
+                    <a:p>
+                      <a:pPr algn="r" fontAlgn="b"/>
+                      <a:r>
+                        <a:rPr lang="en-US" sz="1100" u="none" strike="noStrike">
+                          <a:effectLst/>
+                        </a:rPr>
+                        <a:t>1</a:t>
+                      </a:r>
+                      <a:endParaRPr lang="en-US" sz="1100" b="0" i="0" u="none" strike="noStrike">
+                        <a:solidFill>
+                          <a:srgbClr val="000000"/>
+                        </a:solidFill>
+                        <a:effectLst/>
+                        <a:latin typeface="Calibri" panose="020F0502020204030204" pitchFamily="34" charset="0"/>
+                      </a:endParaRPr>
+                    </a:p>
+                  </a:txBody>
+                  <a:tcPr marL="9525" marR="9525" marT="9525" marB="0" anchor="b"/>
+                </a:tc>
+                <a:tc>
+                  <a:txBody>
+                    <a:bodyPr/>
+                    <a:lstStyle/>
+                    <a:p>
+                      <a:pPr algn="r" fontAlgn="b"/>
+                      <a:r>
+                        <a:rPr lang="en-US" sz="1100" u="none" strike="noStrike">
+                          <a:effectLst/>
+                        </a:rPr>
+                        <a:t>8</a:t>
+                      </a:r>
+                      <a:endParaRPr lang="en-US" sz="1100" b="0" i="0" u="none" strike="noStrike">
+                        <a:solidFill>
+                          <a:srgbClr val="000000"/>
+                        </a:solidFill>
+                        <a:effectLst/>
+                        <a:latin typeface="Calibri" panose="020F0502020204030204" pitchFamily="34" charset="0"/>
+                      </a:endParaRPr>
+                    </a:p>
+                  </a:txBody>
+                  <a:tcPr marL="9525" marR="9525" marT="9525" marB="0" anchor="b"/>
+                </a:tc>
+                <a:extLst>
+                  <a:ext uri="{0D108BD9-81ED-4DB2-BD59-A6C34878D82A}">
+                    <a16:rowId xmlns:a16="http://schemas.microsoft.com/office/drawing/2014/main" val="3597761059"/>
+                  </a:ext>
+                </a:extLst>
+              </a:tr>
+              <a:tr h="329293">
+                <a:tc>
+                  <a:txBody>
+                    <a:bodyPr/>
+                    <a:lstStyle/>
+                    <a:p>
+                      <a:pPr algn="r" fontAlgn="b"/>
+                      <a:r>
+                        <a:rPr lang="en-US" sz="1100" u="none" strike="noStrike">
+                          <a:effectLst/>
+                        </a:rPr>
+                        <a:t>8</a:t>
+                      </a:r>
+                      <a:endParaRPr lang="en-US" sz="1100" b="0" i="0" u="none" strike="noStrike">
+                        <a:solidFill>
+                          <a:srgbClr val="000000"/>
+                        </a:solidFill>
+                        <a:effectLst/>
+                        <a:latin typeface="Calibri" panose="020F0502020204030204" pitchFamily="34" charset="0"/>
+                      </a:endParaRPr>
+                    </a:p>
+                  </a:txBody>
+                  <a:tcPr marL="9525" marR="9525" marT="9525" marB="0" anchor="b"/>
+                </a:tc>
+                <a:tc>
+                  <a:txBody>
+                    <a:bodyPr/>
+                    <a:lstStyle/>
+                    <a:p>
+                      <a:pPr algn="r" fontAlgn="b"/>
+                      <a:r>
+                        <a:rPr lang="en-US" sz="1100" u="none" strike="noStrike">
+                          <a:effectLst/>
+                        </a:rPr>
+                        <a:t>8</a:t>
+                      </a:r>
+                      <a:endParaRPr lang="en-US" sz="1100" b="0" i="0" u="none" strike="noStrike">
+                        <a:solidFill>
+                          <a:srgbClr val="000000"/>
+                        </a:solidFill>
+                        <a:effectLst/>
+                        <a:latin typeface="Calibri" panose="020F0502020204030204" pitchFamily="34" charset="0"/>
+                      </a:endParaRPr>
+                    </a:p>
+                  </a:txBody>
+                  <a:tcPr marL="9525" marR="9525" marT="9525" marB="0" anchor="b"/>
+                </a:tc>
+                <a:tc>
+                  <a:txBody>
+                    <a:bodyPr/>
+                    <a:lstStyle/>
+                    <a:p>
+                      <a:pPr algn="r" fontAlgn="b"/>
+                      <a:r>
+                        <a:rPr lang="en-US" sz="1100" u="none" strike="noStrike">
+                          <a:effectLst/>
+                        </a:rPr>
+                        <a:t>1</a:t>
+                      </a:r>
+                      <a:endParaRPr lang="en-US" sz="1100" b="0" i="0" u="none" strike="noStrike">
+                        <a:solidFill>
+                          <a:srgbClr val="000000"/>
+                        </a:solidFill>
+                        <a:effectLst/>
+                        <a:latin typeface="Calibri" panose="020F0502020204030204" pitchFamily="34" charset="0"/>
+                      </a:endParaRPr>
+                    </a:p>
+                  </a:txBody>
+                  <a:tcPr marL="9525" marR="9525" marT="9525" marB="0" anchor="b"/>
+                </a:tc>
+                <a:tc>
+                  <a:txBody>
+                    <a:bodyPr/>
+                    <a:lstStyle/>
+                    <a:p>
+                      <a:pPr algn="r" fontAlgn="b"/>
+                      <a:r>
+                        <a:rPr lang="en-US" sz="1100" u="none" strike="noStrike">
+                          <a:effectLst/>
+                        </a:rPr>
+                        <a:t>2</a:t>
+                      </a:r>
+                      <a:endParaRPr lang="en-US" sz="1100" b="0" i="0" u="none" strike="noStrike">
+                        <a:solidFill>
+                          <a:srgbClr val="000000"/>
+                        </a:solidFill>
+                        <a:effectLst/>
+                        <a:latin typeface="Calibri" panose="020F0502020204030204" pitchFamily="34" charset="0"/>
+                      </a:endParaRPr>
+                    </a:p>
+                  </a:txBody>
+                  <a:tcPr marL="9525" marR="9525" marT="9525" marB="0" anchor="b"/>
+                </a:tc>
+                <a:tc>
+                  <a:txBody>
+                    <a:bodyPr/>
+                    <a:lstStyle/>
+                    <a:p>
+                      <a:pPr algn="r" fontAlgn="b"/>
+                      <a:r>
+                        <a:rPr lang="en-US" sz="1100" u="none" strike="noStrike">
+                          <a:effectLst/>
+                        </a:rPr>
+                        <a:t>11</a:t>
+                      </a:r>
+                      <a:endParaRPr lang="en-US" sz="1100" b="0" i="0" u="none" strike="noStrike">
+                        <a:solidFill>
+                          <a:srgbClr val="000000"/>
+                        </a:solidFill>
+                        <a:effectLst/>
+                        <a:latin typeface="Calibri" panose="020F0502020204030204" pitchFamily="34" charset="0"/>
+                      </a:endParaRPr>
+                    </a:p>
+                  </a:txBody>
+                  <a:tcPr marL="9525" marR="9525" marT="9525" marB="0" anchor="b"/>
+                </a:tc>
+                <a:tc>
+                  <a:txBody>
+                    <a:bodyPr/>
+                    <a:lstStyle/>
+                    <a:p>
+                      <a:pPr algn="r" fontAlgn="b"/>
+                      <a:r>
+                        <a:rPr lang="en-US" sz="1100" u="none" strike="noStrike">
+                          <a:effectLst/>
+                        </a:rPr>
+                        <a:t>4</a:t>
+                      </a:r>
+                      <a:endParaRPr lang="en-US" sz="1100" b="0" i="0" u="none" strike="noStrike">
+                        <a:solidFill>
+                          <a:srgbClr val="000000"/>
+                        </a:solidFill>
+                        <a:effectLst/>
+                        <a:latin typeface="Calibri" panose="020F0502020204030204" pitchFamily="34" charset="0"/>
+                      </a:endParaRPr>
+                    </a:p>
+                  </a:txBody>
+                  <a:tcPr marL="9525" marR="9525" marT="9525" marB="0" anchor="b"/>
+                </a:tc>
+                <a:tc>
+                  <a:txBody>
+                    <a:bodyPr/>
+                    <a:lstStyle/>
+                    <a:p>
+                      <a:pPr algn="r" fontAlgn="b"/>
+                      <a:r>
+                        <a:rPr lang="en-US" sz="1100" u="none" strike="noStrike">
+                          <a:effectLst/>
+                        </a:rPr>
+                        <a:t>13</a:t>
+                      </a:r>
+                      <a:endParaRPr lang="en-US" sz="1100" b="0" i="0" u="none" strike="noStrike">
+                        <a:solidFill>
+                          <a:srgbClr val="000000"/>
+                        </a:solidFill>
+                        <a:effectLst/>
+                        <a:latin typeface="Calibri" panose="020F0502020204030204" pitchFamily="34" charset="0"/>
+                      </a:endParaRPr>
+                    </a:p>
+                  </a:txBody>
+                  <a:tcPr marL="9525" marR="9525" marT="9525" marB="0" anchor="b"/>
+                </a:tc>
+                <a:tc>
+                  <a:txBody>
+                    <a:bodyPr/>
+                    <a:lstStyle/>
+                    <a:p>
+                      <a:pPr algn="r" fontAlgn="b"/>
+                      <a:r>
+                        <a:rPr lang="en-US" sz="1100" u="none" strike="noStrike">
+                          <a:effectLst/>
+                        </a:rPr>
+                        <a:t>14</a:t>
+                      </a:r>
+                      <a:endParaRPr lang="en-US" sz="1100" b="0" i="0" u="none" strike="noStrike">
+                        <a:solidFill>
+                          <a:srgbClr val="000000"/>
+                        </a:solidFill>
+                        <a:effectLst/>
+                        <a:latin typeface="Calibri" panose="020F0502020204030204" pitchFamily="34" charset="0"/>
+                      </a:endParaRPr>
+                    </a:p>
+                  </a:txBody>
+                  <a:tcPr marL="9525" marR="9525" marT="9525" marB="0" anchor="b"/>
+                </a:tc>
+                <a:tc>
+                  <a:txBody>
+                    <a:bodyPr/>
+                    <a:lstStyle/>
+                    <a:p>
+                      <a:pPr algn="r" fontAlgn="b"/>
+                      <a:r>
+                        <a:rPr lang="en-US" sz="1100" u="none" strike="noStrike">
+                          <a:effectLst/>
+                        </a:rPr>
+                        <a:t>7</a:t>
+                      </a:r>
+                      <a:endParaRPr lang="en-US" sz="1100" b="0" i="0" u="none" strike="noStrike">
+                        <a:solidFill>
+                          <a:srgbClr val="000000"/>
+                        </a:solidFill>
+                        <a:effectLst/>
+                        <a:latin typeface="Calibri" panose="020F0502020204030204" pitchFamily="34" charset="0"/>
+                      </a:endParaRPr>
+                    </a:p>
+                  </a:txBody>
+                  <a:tcPr marL="9525" marR="9525" marT="9525" marB="0" anchor="b"/>
+                </a:tc>
+                <a:extLst>
+                  <a:ext uri="{0D108BD9-81ED-4DB2-BD59-A6C34878D82A}">
+                    <a16:rowId xmlns:a16="http://schemas.microsoft.com/office/drawing/2014/main" val="3411765822"/>
+                  </a:ext>
+                </a:extLst>
+              </a:tr>
+              <a:tr h="329293">
+                <a:tc>
+                  <a:txBody>
+                    <a:bodyPr/>
+                    <a:lstStyle/>
+                    <a:p>
+                      <a:pPr algn="r" fontAlgn="b"/>
+                      <a:r>
+                        <a:rPr lang="en-US" sz="1100" u="none" strike="noStrike">
+                          <a:effectLst/>
+                        </a:rPr>
+                        <a:t>11</a:t>
+                      </a:r>
+                      <a:endParaRPr lang="en-US" sz="1100" b="0" i="0" u="none" strike="noStrike">
+                        <a:solidFill>
+                          <a:srgbClr val="000000"/>
+                        </a:solidFill>
+                        <a:effectLst/>
+                        <a:latin typeface="Calibri" panose="020F0502020204030204" pitchFamily="34" charset="0"/>
+                      </a:endParaRPr>
+                    </a:p>
+                  </a:txBody>
+                  <a:tcPr marL="9525" marR="9525" marT="9525" marB="0" anchor="b"/>
+                </a:tc>
+                <a:tc>
+                  <a:txBody>
+                    <a:bodyPr/>
+                    <a:lstStyle/>
+                    <a:p>
+                      <a:pPr algn="r" fontAlgn="b"/>
+                      <a:r>
+                        <a:rPr lang="en-US" sz="1100" u="none" strike="noStrike">
+                          <a:effectLst/>
+                        </a:rPr>
+                        <a:t>11</a:t>
+                      </a:r>
+                      <a:endParaRPr lang="en-US" sz="1100" b="0" i="0" u="none" strike="noStrike">
+                        <a:solidFill>
+                          <a:srgbClr val="000000"/>
+                        </a:solidFill>
+                        <a:effectLst/>
+                        <a:latin typeface="Calibri" panose="020F0502020204030204" pitchFamily="34" charset="0"/>
+                      </a:endParaRPr>
+                    </a:p>
+                  </a:txBody>
+                  <a:tcPr marL="9525" marR="9525" marT="9525" marB="0" anchor="b"/>
+                </a:tc>
+                <a:tc>
+                  <a:txBody>
+                    <a:bodyPr/>
+                    <a:lstStyle/>
+                    <a:p>
+                      <a:pPr algn="r" fontAlgn="b"/>
+                      <a:r>
+                        <a:rPr lang="en-US" sz="1100" u="none" strike="noStrike">
+                          <a:effectLst/>
+                        </a:rPr>
+                        <a:t>7</a:t>
+                      </a:r>
+                      <a:endParaRPr lang="en-US" sz="1100" b="0" i="0" u="none" strike="noStrike">
+                        <a:solidFill>
+                          <a:srgbClr val="000000"/>
+                        </a:solidFill>
+                        <a:effectLst/>
+                        <a:latin typeface="Calibri" panose="020F0502020204030204" pitchFamily="34" charset="0"/>
+                      </a:endParaRPr>
+                    </a:p>
+                  </a:txBody>
+                  <a:tcPr marL="9525" marR="9525" marT="9525" marB="0" anchor="b"/>
+                </a:tc>
+                <a:tc>
+                  <a:txBody>
+                    <a:bodyPr/>
+                    <a:lstStyle/>
+                    <a:p>
+                      <a:pPr algn="r" fontAlgn="b"/>
+                      <a:r>
+                        <a:rPr lang="en-US" sz="1100" u="none" strike="noStrike">
+                          <a:effectLst/>
+                        </a:rPr>
+                        <a:t>14</a:t>
+                      </a:r>
+                      <a:endParaRPr lang="en-US" sz="1100" b="0" i="0" u="none" strike="noStrike">
+                        <a:solidFill>
+                          <a:srgbClr val="000000"/>
+                        </a:solidFill>
+                        <a:effectLst/>
+                        <a:latin typeface="Calibri" panose="020F0502020204030204" pitchFamily="34" charset="0"/>
+                      </a:endParaRPr>
+                    </a:p>
+                  </a:txBody>
+                  <a:tcPr marL="9525" marR="9525" marT="9525" marB="0" anchor="b"/>
+                </a:tc>
+                <a:tc>
+                  <a:txBody>
+                    <a:bodyPr/>
+                    <a:lstStyle/>
+                    <a:p>
+                      <a:pPr algn="r" fontAlgn="b"/>
+                      <a:r>
+                        <a:rPr lang="en-US" sz="1100" u="none" strike="noStrike">
+                          <a:effectLst/>
+                        </a:rPr>
+                        <a:t>13</a:t>
+                      </a:r>
+                      <a:endParaRPr lang="en-US" sz="1100" b="0" i="0" u="none" strike="noStrike">
+                        <a:solidFill>
+                          <a:srgbClr val="000000"/>
+                        </a:solidFill>
+                        <a:effectLst/>
+                        <a:latin typeface="Calibri" panose="020F0502020204030204" pitchFamily="34" charset="0"/>
+                      </a:endParaRPr>
+                    </a:p>
+                  </a:txBody>
+                  <a:tcPr marL="9525" marR="9525" marT="9525" marB="0" anchor="b"/>
+                </a:tc>
+                <a:tc>
+                  <a:txBody>
+                    <a:bodyPr/>
+                    <a:lstStyle/>
+                    <a:p>
+                      <a:pPr algn="r" fontAlgn="b"/>
+                      <a:r>
+                        <a:rPr lang="en-US" sz="1100" u="none" strike="noStrike">
+                          <a:effectLst/>
+                        </a:rPr>
+                        <a:t>13</a:t>
+                      </a:r>
+                      <a:endParaRPr lang="en-US" sz="1100" b="0" i="0" u="none" strike="noStrike">
+                        <a:solidFill>
+                          <a:srgbClr val="000000"/>
+                        </a:solidFill>
+                        <a:effectLst/>
+                        <a:latin typeface="Calibri" panose="020F0502020204030204" pitchFamily="34" charset="0"/>
+                      </a:endParaRPr>
+                    </a:p>
+                  </a:txBody>
+                  <a:tcPr marL="9525" marR="9525" marT="9525" marB="0" anchor="b"/>
+                </a:tc>
+                <a:tc>
+                  <a:txBody>
+                    <a:bodyPr/>
+                    <a:lstStyle/>
+                    <a:p>
+                      <a:pPr algn="r" fontAlgn="b"/>
+                      <a:r>
+                        <a:rPr lang="en-US" sz="1100" u="none" strike="noStrike">
+                          <a:effectLst/>
+                        </a:rPr>
+                        <a:t>1</a:t>
+                      </a:r>
+                      <a:endParaRPr lang="en-US" sz="1100" b="0" i="0" u="none" strike="noStrike">
+                        <a:solidFill>
+                          <a:srgbClr val="000000"/>
+                        </a:solidFill>
+                        <a:effectLst/>
+                        <a:latin typeface="Calibri" panose="020F0502020204030204" pitchFamily="34" charset="0"/>
+                      </a:endParaRPr>
+                    </a:p>
+                  </a:txBody>
+                  <a:tcPr marL="9525" marR="9525" marT="9525" marB="0" anchor="b"/>
+                </a:tc>
+                <a:tc>
+                  <a:txBody>
+                    <a:bodyPr/>
+                    <a:lstStyle/>
+                    <a:p>
+                      <a:pPr algn="r" fontAlgn="b"/>
+                      <a:r>
+                        <a:rPr lang="en-US" sz="1100" u="none" strike="noStrike">
+                          <a:effectLst/>
+                        </a:rPr>
+                        <a:t>8</a:t>
+                      </a:r>
+                      <a:endParaRPr lang="en-US" sz="1100" b="0" i="0" u="none" strike="noStrike">
+                        <a:solidFill>
+                          <a:srgbClr val="000000"/>
+                        </a:solidFill>
+                        <a:effectLst/>
+                        <a:latin typeface="Calibri" panose="020F0502020204030204" pitchFamily="34" charset="0"/>
+                      </a:endParaRPr>
+                    </a:p>
+                  </a:txBody>
+                  <a:tcPr marL="9525" marR="9525" marT="9525" marB="0" anchor="b"/>
+                </a:tc>
+                <a:tc>
+                  <a:txBody>
+                    <a:bodyPr/>
+                    <a:lstStyle/>
+                    <a:p>
+                      <a:pPr algn="r" fontAlgn="b"/>
+                      <a:r>
+                        <a:rPr lang="en-US" sz="1100" u="none" strike="noStrike">
+                          <a:effectLst/>
+                        </a:rPr>
+                        <a:t>4</a:t>
+                      </a:r>
+                      <a:endParaRPr lang="en-US" sz="1100" b="0" i="0" u="none" strike="noStrike">
+                        <a:solidFill>
+                          <a:srgbClr val="000000"/>
+                        </a:solidFill>
+                        <a:effectLst/>
+                        <a:latin typeface="Calibri" panose="020F0502020204030204" pitchFamily="34" charset="0"/>
+                      </a:endParaRPr>
+                    </a:p>
+                  </a:txBody>
+                  <a:tcPr marL="9525" marR="9525" marT="9525" marB="0" anchor="b"/>
+                </a:tc>
+                <a:extLst>
+                  <a:ext uri="{0D108BD9-81ED-4DB2-BD59-A6C34878D82A}">
+                    <a16:rowId xmlns:a16="http://schemas.microsoft.com/office/drawing/2014/main" val="3966112448"/>
+                  </a:ext>
+                </a:extLst>
+              </a:tr>
+              <a:tr h="329293">
+                <a:tc>
+                  <a:txBody>
+                    <a:bodyPr/>
+                    <a:lstStyle/>
+                    <a:p>
+                      <a:pPr algn="r" fontAlgn="b"/>
+                      <a:r>
+                        <a:rPr lang="en-US" sz="1100" u="none" strike="noStrike">
+                          <a:effectLst/>
+                        </a:rPr>
+                        <a:t>13</a:t>
+                      </a:r>
+                      <a:endParaRPr lang="en-US" sz="1100" b="0" i="0" u="none" strike="noStrike">
+                        <a:solidFill>
+                          <a:srgbClr val="000000"/>
+                        </a:solidFill>
+                        <a:effectLst/>
+                        <a:latin typeface="Calibri" panose="020F0502020204030204" pitchFamily="34" charset="0"/>
+                      </a:endParaRPr>
+                    </a:p>
+                  </a:txBody>
+                  <a:tcPr marL="9525" marR="9525" marT="9525" marB="0" anchor="b"/>
+                </a:tc>
+                <a:tc>
+                  <a:txBody>
+                    <a:bodyPr/>
+                    <a:lstStyle/>
+                    <a:p>
+                      <a:pPr algn="r" fontAlgn="b"/>
+                      <a:r>
+                        <a:rPr lang="en-US" sz="1100" u="none" strike="noStrike">
+                          <a:effectLst/>
+                        </a:rPr>
+                        <a:t>13</a:t>
+                      </a:r>
+                      <a:endParaRPr lang="en-US" sz="1100" b="0" i="0" u="none" strike="noStrike">
+                        <a:solidFill>
+                          <a:srgbClr val="000000"/>
+                        </a:solidFill>
+                        <a:effectLst/>
+                        <a:latin typeface="Calibri" panose="020F0502020204030204" pitchFamily="34" charset="0"/>
+                      </a:endParaRPr>
+                    </a:p>
+                  </a:txBody>
+                  <a:tcPr marL="9525" marR="9525" marT="9525" marB="0" anchor="b"/>
+                </a:tc>
+                <a:tc>
+                  <a:txBody>
+                    <a:bodyPr/>
+                    <a:lstStyle/>
+                    <a:p>
+                      <a:pPr algn="r" fontAlgn="b"/>
+                      <a:r>
+                        <a:rPr lang="en-US" sz="1100" u="none" strike="noStrike">
+                          <a:effectLst/>
+                        </a:rPr>
+                        <a:t>11</a:t>
+                      </a:r>
+                      <a:endParaRPr lang="en-US" sz="1100" b="0" i="0" u="none" strike="noStrike">
+                        <a:solidFill>
+                          <a:srgbClr val="000000"/>
+                        </a:solidFill>
+                        <a:effectLst/>
+                        <a:latin typeface="Calibri" panose="020F0502020204030204" pitchFamily="34" charset="0"/>
+                      </a:endParaRPr>
+                    </a:p>
+                  </a:txBody>
+                  <a:tcPr marL="9525" marR="9525" marT="9525" marB="0" anchor="b"/>
+                </a:tc>
+                <a:tc>
+                  <a:txBody>
+                    <a:bodyPr/>
+                    <a:lstStyle/>
+                    <a:p>
+                      <a:pPr algn="r" fontAlgn="b"/>
+                      <a:r>
+                        <a:rPr lang="en-US" sz="1100" u="none" strike="noStrike">
+                          <a:effectLst/>
+                        </a:rPr>
+                        <a:t>7</a:t>
+                      </a:r>
+                      <a:endParaRPr lang="en-US" sz="1100" b="0" i="0" u="none" strike="noStrike">
+                        <a:solidFill>
+                          <a:srgbClr val="000000"/>
+                        </a:solidFill>
+                        <a:effectLst/>
+                        <a:latin typeface="Calibri" panose="020F0502020204030204" pitchFamily="34" charset="0"/>
+                      </a:endParaRPr>
+                    </a:p>
+                  </a:txBody>
+                  <a:tcPr marL="9525" marR="9525" marT="9525" marB="0" anchor="b"/>
+                </a:tc>
+                <a:tc>
+                  <a:txBody>
+                    <a:bodyPr/>
+                    <a:lstStyle/>
+                    <a:p>
+                      <a:pPr algn="r" fontAlgn="b"/>
+                      <a:r>
+                        <a:rPr lang="en-US" sz="1100" u="none" strike="noStrike">
+                          <a:effectLst/>
+                        </a:rPr>
+                        <a:t>1</a:t>
+                      </a:r>
+                      <a:endParaRPr lang="en-US" sz="1100" b="0" i="0" u="none" strike="noStrike">
+                        <a:solidFill>
+                          <a:srgbClr val="000000"/>
+                        </a:solidFill>
+                        <a:effectLst/>
+                        <a:latin typeface="Calibri" panose="020F0502020204030204" pitchFamily="34" charset="0"/>
+                      </a:endParaRPr>
+                    </a:p>
+                  </a:txBody>
+                  <a:tcPr marL="9525" marR="9525" marT="9525" marB="0" anchor="b"/>
+                </a:tc>
+                <a:tc>
+                  <a:txBody>
+                    <a:bodyPr/>
+                    <a:lstStyle/>
+                    <a:p>
+                      <a:pPr algn="r" fontAlgn="b"/>
+                      <a:r>
+                        <a:rPr lang="en-US" sz="1100" u="none" strike="noStrike">
+                          <a:effectLst/>
+                        </a:rPr>
+                        <a:t>14</a:t>
+                      </a:r>
+                      <a:endParaRPr lang="en-US" sz="1100" b="0" i="0" u="none" strike="noStrike">
+                        <a:solidFill>
+                          <a:srgbClr val="000000"/>
+                        </a:solidFill>
+                        <a:effectLst/>
+                        <a:latin typeface="Calibri" panose="020F0502020204030204" pitchFamily="34" charset="0"/>
+                      </a:endParaRPr>
+                    </a:p>
+                  </a:txBody>
+                  <a:tcPr marL="9525" marR="9525" marT="9525" marB="0" anchor="b"/>
+                </a:tc>
+                <a:tc>
+                  <a:txBody>
+                    <a:bodyPr/>
+                    <a:lstStyle/>
+                    <a:p>
+                      <a:pPr algn="r" fontAlgn="b"/>
+                      <a:r>
+                        <a:rPr lang="en-US" sz="1100" u="none" strike="noStrike">
+                          <a:effectLst/>
+                        </a:rPr>
+                        <a:t>8</a:t>
+                      </a:r>
+                      <a:endParaRPr lang="en-US" sz="1100" b="0" i="0" u="none" strike="noStrike">
+                        <a:solidFill>
+                          <a:srgbClr val="000000"/>
+                        </a:solidFill>
+                        <a:effectLst/>
+                        <a:latin typeface="Calibri" panose="020F0502020204030204" pitchFamily="34" charset="0"/>
+                      </a:endParaRPr>
+                    </a:p>
+                  </a:txBody>
+                  <a:tcPr marL="9525" marR="9525" marT="9525" marB="0" anchor="b"/>
+                </a:tc>
+                <a:tc>
+                  <a:txBody>
+                    <a:bodyPr/>
+                    <a:lstStyle/>
+                    <a:p>
+                      <a:pPr algn="r" fontAlgn="b"/>
+                      <a:r>
+                        <a:rPr lang="en-US" sz="1100" u="none" strike="noStrike">
+                          <a:effectLst/>
+                        </a:rPr>
+                        <a:t>4</a:t>
+                      </a:r>
+                      <a:endParaRPr lang="en-US" sz="1100" b="0" i="0" u="none" strike="noStrike">
+                        <a:solidFill>
+                          <a:srgbClr val="000000"/>
+                        </a:solidFill>
+                        <a:effectLst/>
+                        <a:latin typeface="Calibri" panose="020F0502020204030204" pitchFamily="34" charset="0"/>
+                      </a:endParaRPr>
+                    </a:p>
+                  </a:txBody>
+                  <a:tcPr marL="9525" marR="9525" marT="9525" marB="0" anchor="b"/>
+                </a:tc>
+                <a:tc>
+                  <a:txBody>
+                    <a:bodyPr/>
+                    <a:lstStyle/>
+                    <a:p>
+                      <a:pPr algn="r" fontAlgn="b"/>
+                      <a:r>
+                        <a:rPr lang="en-US" sz="1100" u="none" strike="noStrike">
+                          <a:effectLst/>
+                        </a:rPr>
+                        <a:t>2</a:t>
+                      </a:r>
+                      <a:endParaRPr lang="en-US" sz="1100" b="0" i="0" u="none" strike="noStrike">
+                        <a:solidFill>
+                          <a:srgbClr val="000000"/>
+                        </a:solidFill>
+                        <a:effectLst/>
+                        <a:latin typeface="Calibri" panose="020F0502020204030204" pitchFamily="34" charset="0"/>
+                      </a:endParaRPr>
+                    </a:p>
+                  </a:txBody>
+                  <a:tcPr marL="9525" marR="9525" marT="9525" marB="0" anchor="b"/>
+                </a:tc>
+                <a:extLst>
+                  <a:ext uri="{0D108BD9-81ED-4DB2-BD59-A6C34878D82A}">
+                    <a16:rowId xmlns:a16="http://schemas.microsoft.com/office/drawing/2014/main" val="1624046433"/>
+                  </a:ext>
+                </a:extLst>
+              </a:tr>
+              <a:tr h="329293">
+                <a:tc>
+                  <a:txBody>
+                    <a:bodyPr/>
+                    <a:lstStyle/>
+                    <a:p>
+                      <a:pPr algn="r" fontAlgn="b"/>
+                      <a:r>
+                        <a:rPr lang="en-US" sz="1100" u="none" strike="noStrike">
+                          <a:effectLst/>
+                        </a:rPr>
+                        <a:t>14</a:t>
+                      </a:r>
+                      <a:endParaRPr lang="en-US" sz="1100" b="0" i="0" u="none" strike="noStrike">
+                        <a:solidFill>
+                          <a:srgbClr val="000000"/>
+                        </a:solidFill>
+                        <a:effectLst/>
+                        <a:latin typeface="Calibri" panose="020F0502020204030204" pitchFamily="34" charset="0"/>
+                      </a:endParaRPr>
+                    </a:p>
+                  </a:txBody>
+                  <a:tcPr marL="9525" marR="9525" marT="9525" marB="0" anchor="b"/>
+                </a:tc>
+                <a:tc>
+                  <a:txBody>
+                    <a:bodyPr/>
+                    <a:lstStyle/>
+                    <a:p>
+                      <a:pPr algn="r" fontAlgn="b"/>
+                      <a:r>
+                        <a:rPr lang="en-US" sz="1100" u="none" strike="noStrike">
+                          <a:effectLst/>
+                        </a:rPr>
+                        <a:t>14</a:t>
+                      </a:r>
+                      <a:endParaRPr lang="en-US" sz="1100" b="0" i="0" u="none" strike="noStrike">
+                        <a:solidFill>
+                          <a:srgbClr val="000000"/>
+                        </a:solidFill>
+                        <a:effectLst/>
+                        <a:latin typeface="Calibri" panose="020F0502020204030204" pitchFamily="34" charset="0"/>
+                      </a:endParaRPr>
+                    </a:p>
+                  </a:txBody>
+                  <a:tcPr marL="9525" marR="9525" marT="9525" marB="0" anchor="b"/>
+                </a:tc>
+                <a:tc>
+                  <a:txBody>
+                    <a:bodyPr/>
+                    <a:lstStyle/>
+                    <a:p>
+                      <a:pPr algn="r" fontAlgn="b"/>
+                      <a:r>
+                        <a:rPr lang="en-US" sz="1100" u="none" strike="noStrike">
+                          <a:effectLst/>
+                        </a:rPr>
+                        <a:t>13</a:t>
+                      </a:r>
+                      <a:endParaRPr lang="en-US" sz="1100" b="0" i="0" u="none" strike="noStrike">
+                        <a:solidFill>
+                          <a:srgbClr val="000000"/>
+                        </a:solidFill>
+                        <a:effectLst/>
+                        <a:latin typeface="Calibri" panose="020F0502020204030204" pitchFamily="34" charset="0"/>
+                      </a:endParaRPr>
+                    </a:p>
+                  </a:txBody>
+                  <a:tcPr marL="9525" marR="9525" marT="9525" marB="0" anchor="b"/>
+                </a:tc>
+                <a:tc>
+                  <a:txBody>
+                    <a:bodyPr/>
+                    <a:lstStyle/>
+                    <a:p>
+                      <a:pPr algn="r" fontAlgn="b"/>
+                      <a:r>
+                        <a:rPr lang="en-US" sz="1100" u="none" strike="noStrike">
+                          <a:effectLst/>
+                        </a:rPr>
+                        <a:t>11</a:t>
+                      </a:r>
+                      <a:endParaRPr lang="en-US" sz="1100" b="0" i="0" u="none" strike="noStrike">
+                        <a:solidFill>
+                          <a:srgbClr val="000000"/>
+                        </a:solidFill>
+                        <a:effectLst/>
+                        <a:latin typeface="Calibri" panose="020F0502020204030204" pitchFamily="34" charset="0"/>
+                      </a:endParaRPr>
+                    </a:p>
+                  </a:txBody>
+                  <a:tcPr marL="9525" marR="9525" marT="9525" marB="0" anchor="b"/>
+                </a:tc>
+                <a:tc>
+                  <a:txBody>
+                    <a:bodyPr/>
+                    <a:lstStyle/>
+                    <a:p>
+                      <a:pPr algn="r" fontAlgn="b"/>
+                      <a:r>
+                        <a:rPr lang="en-US" sz="1100" u="none" strike="noStrike">
+                          <a:effectLst/>
+                        </a:rPr>
+                        <a:t>8</a:t>
+                      </a:r>
+                      <a:endParaRPr lang="en-US" sz="1100" b="0" i="0" u="none" strike="noStrike">
+                        <a:solidFill>
+                          <a:srgbClr val="000000"/>
+                        </a:solidFill>
+                        <a:effectLst/>
+                        <a:latin typeface="Calibri" panose="020F0502020204030204" pitchFamily="34" charset="0"/>
+                      </a:endParaRPr>
+                    </a:p>
+                  </a:txBody>
+                  <a:tcPr marL="9525" marR="9525" marT="9525" marB="0" anchor="b"/>
+                </a:tc>
+                <a:tc>
+                  <a:txBody>
+                    <a:bodyPr/>
+                    <a:lstStyle/>
+                    <a:p>
+                      <a:pPr algn="r" fontAlgn="b"/>
+                      <a:r>
+                        <a:rPr lang="en-US" sz="1100" u="none" strike="noStrike">
+                          <a:effectLst/>
+                        </a:rPr>
+                        <a:t>7</a:t>
+                      </a:r>
+                      <a:endParaRPr lang="en-US" sz="1100" b="0" i="0" u="none" strike="noStrike">
+                        <a:solidFill>
+                          <a:srgbClr val="000000"/>
+                        </a:solidFill>
+                        <a:effectLst/>
+                        <a:latin typeface="Calibri" panose="020F0502020204030204" pitchFamily="34" charset="0"/>
+                      </a:endParaRPr>
+                    </a:p>
+                  </a:txBody>
+                  <a:tcPr marL="9525" marR="9525" marT="9525" marB="0" anchor="b"/>
+                </a:tc>
+                <a:tc>
+                  <a:txBody>
+                    <a:bodyPr/>
+                    <a:lstStyle/>
+                    <a:p>
+                      <a:pPr algn="r" fontAlgn="b"/>
+                      <a:r>
+                        <a:rPr lang="en-US" sz="1100" u="none" strike="noStrike">
+                          <a:effectLst/>
+                        </a:rPr>
+                        <a:t>4</a:t>
+                      </a:r>
+                      <a:endParaRPr lang="en-US" sz="1100" b="0" i="0" u="none" strike="noStrike">
+                        <a:solidFill>
+                          <a:srgbClr val="000000"/>
+                        </a:solidFill>
+                        <a:effectLst/>
+                        <a:latin typeface="Calibri" panose="020F0502020204030204" pitchFamily="34" charset="0"/>
+                      </a:endParaRPr>
+                    </a:p>
+                  </a:txBody>
+                  <a:tcPr marL="9525" marR="9525" marT="9525" marB="0" anchor="b"/>
+                </a:tc>
+                <a:tc>
+                  <a:txBody>
+                    <a:bodyPr/>
+                    <a:lstStyle/>
+                    <a:p>
+                      <a:pPr algn="r" fontAlgn="b"/>
+                      <a:r>
+                        <a:rPr lang="en-US" sz="1100" u="none" strike="noStrike">
+                          <a:effectLst/>
+                        </a:rPr>
+                        <a:t>2</a:t>
+                      </a:r>
+                      <a:endParaRPr lang="en-US" sz="1100" b="0" i="0" u="none" strike="noStrike">
+                        <a:solidFill>
+                          <a:srgbClr val="000000"/>
+                        </a:solidFill>
+                        <a:effectLst/>
+                        <a:latin typeface="Calibri" panose="020F0502020204030204" pitchFamily="34" charset="0"/>
+                      </a:endParaRPr>
+                    </a:p>
+                  </a:txBody>
+                  <a:tcPr marL="9525" marR="9525" marT="9525" marB="0" anchor="b"/>
+                </a:tc>
+                <a:tc>
+                  <a:txBody>
+                    <a:bodyPr/>
+                    <a:lstStyle/>
+                    <a:p>
+                      <a:pPr algn="r" fontAlgn="b"/>
+                      <a:r>
+                        <a:rPr lang="en-US" sz="1100" u="none" strike="noStrike" dirty="0">
+                          <a:effectLst/>
+                        </a:rPr>
+                        <a:t>1</a:t>
+                      </a:r>
+                      <a:endParaRPr lang="en-US" sz="1100" b="0" i="0" u="none" strike="noStrike" dirty="0">
+                        <a:solidFill>
+                          <a:srgbClr val="000000"/>
+                        </a:solidFill>
+                        <a:effectLst/>
+                        <a:latin typeface="Calibri" panose="020F0502020204030204" pitchFamily="34" charset="0"/>
+                      </a:endParaRPr>
+                    </a:p>
+                  </a:txBody>
+                  <a:tcPr marL="9525" marR="9525" marT="9525" marB="0" anchor="b"/>
+                </a:tc>
+                <a:extLst>
+                  <a:ext uri="{0D108BD9-81ED-4DB2-BD59-A6C34878D82A}">
+                    <a16:rowId xmlns:a16="http://schemas.microsoft.com/office/drawing/2014/main" val="3095054242"/>
+                  </a:ext>
+                </a:extLst>
+              </a:tr>
+            </a:tbl>
+          </a:graphicData>
+        </a:graphic>
+      </p:graphicFrame>
+      <p:sp>
+        <p:nvSpPr>
+          <p:cNvPr id="5" name="TextBox 4">
+            <a:extLst>
+              <a:ext uri="{FF2B5EF4-FFF2-40B4-BE49-F238E27FC236}">
+                <a16:creationId xmlns:a16="http://schemas.microsoft.com/office/drawing/2014/main" id="{1FD22544-0BA3-A690-D669-ADE980405BF1}"/>
+              </a:ext>
+            </a:extLst>
+          </p:cNvPr>
+          <p:cNvSpPr txBox="1"/>
+          <p:nvPr/>
+        </p:nvSpPr>
+        <p:spPr>
+          <a:xfrm>
+            <a:off x="480447" y="3564610"/>
+            <a:ext cx="3270143" cy="584775"/>
+          </a:xfrm>
+          <a:prstGeom prst="rect">
+            <a:avLst/>
+          </a:prstGeom>
+          <a:noFill/>
+        </p:spPr>
+        <p:txBody>
+          <a:bodyPr wrap="square" rtlCol="0">
+            <a:spAutoFit/>
           </a:bodyPr>
           <a:lstStyle/>
           <a:p>
             <a:r>
-              <a:rPr lang="en-US" dirty="0"/>
-              <a:t>Original RSA paper used Euler’s </a:t>
-            </a:r>
-            <a:r>
-              <a:rPr lang="el-GR" dirty="0"/>
-              <a:t>Φ</a:t>
-            </a:r>
-            <a:r>
-              <a:rPr lang="en-US" dirty="0"/>
-              <a:t>(n) function to compute keys d, e</a:t>
-            </a:r>
-          </a:p>
-          <a:p>
-            <a:r>
-              <a:rPr lang="en-US" dirty="0"/>
-              <a:t>Current RSA algorithms use </a:t>
-            </a:r>
-            <a:r>
-              <a:rPr lang="el-GR" dirty="0"/>
-              <a:t>Λ</a:t>
-            </a:r>
-            <a:r>
-              <a:rPr lang="en-US" dirty="0"/>
-              <a:t>(n) = LCM(p - 1, q - 1), where LCM is Least Common Multiple</a:t>
-            </a:r>
-          </a:p>
-          <a:p>
-            <a:pPr lvl="1"/>
-            <a:r>
-              <a:rPr lang="en-US"/>
-              <a:t>LCM(</a:t>
-            </a:r>
-            <a:r>
-              <a:rPr lang="en-US" dirty="0"/>
-              <a:t>p - 1, q - 1) = (p - 1)(q - 1) / GCD((p - 1)(q - 1)) </a:t>
-            </a:r>
-          </a:p>
-          <a:p>
-            <a:pPr marL="457200" lvl="1" indent="0">
-              <a:buNone/>
-            </a:pPr>
-            <a:r>
-              <a:rPr lang="en-US" dirty="0"/>
-              <a:t>= </a:t>
-            </a:r>
-            <a:r>
-              <a:rPr lang="el-GR" dirty="0">
-                <a:highlight>
-                  <a:srgbClr val="FFFF00"/>
-                </a:highlight>
-              </a:rPr>
-              <a:t>Φ</a:t>
-            </a:r>
-            <a:r>
-              <a:rPr lang="en-US" dirty="0">
-                <a:highlight>
-                  <a:srgbClr val="FFFF00"/>
-                </a:highlight>
-              </a:rPr>
-              <a:t>(n) / GCD((p - 1)(q - 1))</a:t>
-            </a:r>
-          </a:p>
-          <a:p>
-            <a:pPr lvl="1"/>
-            <a:r>
-              <a:rPr lang="en-US" dirty="0"/>
-              <a:t>Usually, GCD((p - 1)(q - 1))  is small, very often 2</a:t>
-            </a:r>
-          </a:p>
-          <a:p>
-            <a:r>
-              <a:rPr lang="en-US" dirty="0"/>
-              <a:t>Either </a:t>
-            </a:r>
-            <a:r>
-              <a:rPr lang="el-GR" dirty="0"/>
-              <a:t>Λ</a:t>
-            </a:r>
-            <a:r>
-              <a:rPr lang="en-US" dirty="0"/>
-              <a:t> or </a:t>
-            </a:r>
-            <a:r>
-              <a:rPr lang="el-GR" dirty="0"/>
-              <a:t>Φ</a:t>
-            </a:r>
-            <a:r>
-              <a:rPr lang="en-US" dirty="0"/>
-              <a:t> will work for computing d and e, but </a:t>
-            </a:r>
-            <a:r>
-              <a:rPr lang="el-GR" dirty="0"/>
-              <a:t>Λ</a:t>
-            </a:r>
-            <a:r>
-              <a:rPr lang="en-US" dirty="0"/>
-              <a:t> is smaller</a:t>
-            </a:r>
-          </a:p>
-          <a:p>
-            <a:pPr lvl="1"/>
-            <a:r>
-              <a:rPr lang="en-US" dirty="0"/>
-              <a:t>Less computation when using </a:t>
-            </a:r>
-            <a:r>
-              <a:rPr lang="el-GR" dirty="0"/>
-              <a:t>Λ</a:t>
-            </a:r>
-            <a:endParaRPr lang="en-US" dirty="0"/>
-          </a:p>
-          <a:p>
-            <a:endParaRPr lang="en-US" dirty="0"/>
-          </a:p>
-          <a:p>
-            <a:pPr lvl="1"/>
-            <a:endParaRPr lang="en-US" dirty="0"/>
+              <a:rPr lang="en-US" sz="3200" dirty="0"/>
+              <a:t>Example ℤ</a:t>
+            </a:r>
+            <a:r>
+              <a:rPr lang="en-US" sz="3200" baseline="-25000" dirty="0"/>
+              <a:t>15</a:t>
+            </a:r>
+            <a:r>
+              <a:rPr lang="en-US" sz="3200" baseline="30000" dirty="0"/>
+              <a:t>*</a:t>
+            </a:r>
           </a:p>
         </p:txBody>
       </p:sp>
     </p:spTree>
     <p:extLst>
       <p:ext uri="{BB962C8B-B14F-4D97-AF65-F5344CB8AC3E}">
-        <p14:creationId xmlns:p14="http://schemas.microsoft.com/office/powerpoint/2010/main" val="2085830067"/>
+        <p14:creationId xmlns:p14="http://schemas.microsoft.com/office/powerpoint/2010/main" val="3423169671"/>
       </p:ext>
     </p:extLst>
   </p:cSld>
@@ -6022,6 +8006,213 @@
           <p:cNvPr id="2" name="Title 1">
             <a:extLst>
               <a:ext uri="{FF2B5EF4-FFF2-40B4-BE49-F238E27FC236}">
+                <a16:creationId xmlns:a16="http://schemas.microsoft.com/office/drawing/2014/main" id="{6A7D4945-6BC2-453B-A238-91E5C8E98E30}"/>
+              </a:ext>
+            </a:extLst>
+          </p:cNvPr>
+          <p:cNvSpPr>
+            <a:spLocks noGrp="1"/>
+          </p:cNvSpPr>
+          <p:nvPr>
+            <p:ph type="title"/>
+          </p:nvPr>
+        </p:nvSpPr>
+        <p:spPr/>
+        <p:txBody>
+          <a:bodyPr/>
+          <a:lstStyle/>
+          <a:p>
+            <a:r>
+              <a:rPr lang="el-GR" dirty="0"/>
+              <a:t>Λ</a:t>
+            </a:r>
+            <a:r>
+              <a:rPr lang="en-US" dirty="0"/>
+              <a:t> and </a:t>
+            </a:r>
+            <a:r>
+              <a:rPr lang="el-GR" dirty="0"/>
+              <a:t>Φ</a:t>
+            </a:r>
+            <a:endParaRPr lang="en-US" dirty="0"/>
+          </a:p>
+        </p:txBody>
+      </p:sp>
+      <p:sp>
+        <p:nvSpPr>
+          <p:cNvPr id="3" name="Content Placeholder 2">
+            <a:extLst>
+              <a:ext uri="{FF2B5EF4-FFF2-40B4-BE49-F238E27FC236}">
+                <a16:creationId xmlns:a16="http://schemas.microsoft.com/office/drawing/2014/main" id="{9C3F1ECA-480D-463A-AD5B-66D3B7AC6422}"/>
+              </a:ext>
+            </a:extLst>
+          </p:cNvPr>
+          <p:cNvSpPr>
+            <a:spLocks noGrp="1"/>
+          </p:cNvSpPr>
+          <p:nvPr>
+            <p:ph idx="1"/>
+          </p:nvPr>
+        </p:nvSpPr>
+        <p:spPr/>
+        <p:txBody>
+          <a:bodyPr>
+            <a:normAutofit/>
+          </a:bodyPr>
+          <a:lstStyle/>
+          <a:p>
+            <a:r>
+              <a:rPr lang="en-US" dirty="0"/>
+              <a:t>Original RSA paper used Euler’s </a:t>
+            </a:r>
+            <a:r>
+              <a:rPr lang="el-GR" dirty="0"/>
+              <a:t>Φ</a:t>
+            </a:r>
+            <a:r>
+              <a:rPr lang="en-US" dirty="0"/>
+              <a:t>(n) function to compute keys d, e</a:t>
+            </a:r>
+          </a:p>
+          <a:p>
+            <a:r>
+              <a:rPr lang="en-US" dirty="0"/>
+              <a:t>Current RSA algorithms use </a:t>
+            </a:r>
+            <a:r>
+              <a:rPr lang="el-GR" dirty="0"/>
+              <a:t>Λ</a:t>
+            </a:r>
+            <a:r>
+              <a:rPr lang="en-US" dirty="0"/>
+              <a:t>(n) = LCM(p - 1, q - 1), where LCM is Least Common Multiple</a:t>
+            </a:r>
+          </a:p>
+          <a:p>
+            <a:pPr lvl="1"/>
+            <a:r>
+              <a:rPr lang="en-US" dirty="0"/>
+              <a:t>LCM(p - 1, q - 1) = (p - 1)(q - 1) / GCD((p - 1)(q - 1)) </a:t>
+            </a:r>
+          </a:p>
+          <a:p>
+            <a:pPr marL="457200" lvl="1" indent="0">
+              <a:buNone/>
+            </a:pPr>
+            <a:r>
+              <a:rPr lang="en-US" dirty="0"/>
+              <a:t>= </a:t>
+            </a:r>
+            <a:r>
+              <a:rPr lang="el-GR" dirty="0">
+                <a:highlight>
+                  <a:srgbClr val="FFFF00"/>
+                </a:highlight>
+              </a:rPr>
+              <a:t>Φ</a:t>
+            </a:r>
+            <a:r>
+              <a:rPr lang="en-US" dirty="0">
+                <a:highlight>
+                  <a:srgbClr val="FFFF00"/>
+                </a:highlight>
+              </a:rPr>
+              <a:t>(n) / GCD((p - 1)(q - 1))</a:t>
+            </a:r>
+          </a:p>
+          <a:p>
+            <a:pPr lvl="1"/>
+            <a:r>
+              <a:rPr lang="en-US" dirty="0"/>
+              <a:t>Usually, GCD((p - 1)(q - 1))  is small, very often 2</a:t>
+            </a:r>
+          </a:p>
+          <a:p>
+            <a:r>
+              <a:rPr lang="en-US" dirty="0"/>
+              <a:t>Either </a:t>
+            </a:r>
+            <a:r>
+              <a:rPr lang="el-GR" dirty="0"/>
+              <a:t>Λ</a:t>
+            </a:r>
+            <a:r>
+              <a:rPr lang="en-US" dirty="0"/>
+              <a:t> or </a:t>
+            </a:r>
+            <a:r>
+              <a:rPr lang="el-GR" dirty="0"/>
+              <a:t>Φ</a:t>
+            </a:r>
+            <a:r>
+              <a:rPr lang="en-US" dirty="0"/>
+              <a:t> will work for computing d and e, but </a:t>
+            </a:r>
+            <a:r>
+              <a:rPr lang="el-GR" dirty="0"/>
+              <a:t>Λ</a:t>
+            </a:r>
+            <a:r>
+              <a:rPr lang="en-US" dirty="0"/>
+              <a:t> is smaller</a:t>
+            </a:r>
+          </a:p>
+          <a:p>
+            <a:pPr lvl="1"/>
+            <a:r>
+              <a:rPr lang="en-US" dirty="0"/>
+              <a:t>Less computation when using </a:t>
+            </a:r>
+            <a:r>
+              <a:rPr lang="el-GR" dirty="0"/>
+              <a:t>Λ</a:t>
+            </a:r>
+            <a:endParaRPr lang="en-US" dirty="0"/>
+          </a:p>
+          <a:p>
+            <a:endParaRPr lang="en-US" dirty="0"/>
+          </a:p>
+          <a:p>
+            <a:pPr lvl="1"/>
+            <a:endParaRPr lang="en-US" dirty="0"/>
+          </a:p>
+        </p:txBody>
+      </p:sp>
+    </p:spTree>
+    <p:extLst>
+      <p:ext uri="{BB962C8B-B14F-4D97-AF65-F5344CB8AC3E}">
+        <p14:creationId xmlns:p14="http://schemas.microsoft.com/office/powerpoint/2010/main" val="2085830067"/>
+      </p:ext>
+    </p:extLst>
+  </p:cSld>
+  <p:clrMapOvr>
+    <a:masterClrMapping/>
+  </p:clrMapOvr>
+</p:sld>
+</file>
+
+<file path=ppt/slides/slide12.xml><?xml version="1.0" encoding="utf-8"?>
+<p:sld xmlns:a="http://schemas.openxmlformats.org/drawingml/2006/main" xmlns:r="http://schemas.openxmlformats.org/officeDocument/2006/relationships" xmlns:p="http://schemas.openxmlformats.org/presentationml/2006/main">
+  <p:cSld>
+    <p:spTree>
+      <p:nvGrpSpPr>
+        <p:cNvPr id="1" name=""/>
+        <p:cNvGrpSpPr/>
+        <p:nvPr/>
+      </p:nvGrpSpPr>
+      <p:grpSpPr>
+        <a:xfrm>
+          <a:off x="0" y="0"/>
+          <a:ext cx="0" cy="0"/>
+          <a:chOff x="0" y="0"/>
+          <a:chExt cx="0" cy="0"/>
+        </a:xfrm>
+      </p:grpSpPr>
+      <p:sp>
+        <p:nvSpPr>
+          <p:cNvPr id="2" name="Title 1">
+            <a:extLst>
+              <a:ext uri="{FF2B5EF4-FFF2-40B4-BE49-F238E27FC236}">
                 <a16:creationId xmlns:a16="http://schemas.microsoft.com/office/drawing/2014/main" id="{D9DC9832-6921-479B-B451-746EC871DB6E}"/>
               </a:ext>
             </a:extLst>
@@ -6164,7 +8355,7 @@
 </p:sld>
 </file>
 
-<file path=ppt/slides/slide12.xml><?xml version="1.0" encoding="utf-8"?>
+<file path=ppt/slides/slide13.xml><?xml version="1.0" encoding="utf-8"?>
 <p:sld xmlns:a="http://schemas.openxmlformats.org/drawingml/2006/main" xmlns:r="http://schemas.openxmlformats.org/officeDocument/2006/relationships" xmlns:p="http://schemas.openxmlformats.org/presentationml/2006/main">
   <p:cSld>
     <p:spTree>
@@ -7270,7 +9461,7 @@
           <a:p>
             <a:r>
               <a:rPr lang="en-US" dirty="0"/>
-              <a:t>PKCS#1 Hash/Padding Scheme—not simple</a:t>
+              <a:t>PKCS#1 Hash/Padding Scheme</a:t>
             </a:r>
           </a:p>
         </p:txBody>
@@ -7768,7 +9959,9 @@
             </p:nvSpPr>
             <p:spPr/>
             <p:txBody>
-              <a:bodyPr/>
+              <a:bodyPr>
+                <a:normAutofit/>
+              </a:bodyPr>
               <a:lstStyle/>
               <a:p>
                 <a:r>
@@ -7856,19 +10049,13 @@
                           </a:rPr>
                           <m:t>_1</m:t>
                         </m:r>
-                        <m:r>
-                          <a:rPr lang="en-US" b="0" i="1" smtClean="0">
-                            <a:latin typeface="Cambria Math" panose="02040503050406030204" pitchFamily="18" charset="0"/>
-                          </a:rPr>
-                          <m:t>)</m:t>
-                        </m:r>
                       </m:e>
                     </m:nary>
                   </m:oMath>
                 </a14:m>
                 <a:r>
                   <a:rPr lang="en-US" dirty="0"/>
-                  <a:t>   where m= </a:t>
+                  <a:t> )  where m= </a:t>
                 </a:r>
                 <a14:m>
                   <m:oMath xmlns:m="http://schemas.openxmlformats.org/officeDocument/2006/math">
@@ -7969,18 +10156,48 @@
               </a:p>
               <a:p>
                 <a:r>
+                  <a:rPr lang="en-US" dirty="0"/>
+                  <a:t>when n = p * q, </a:t>
+                </a:r>
+                <a:r>
                   <a:rPr lang="el-GR" dirty="0"/>
                   <a:t>Φ</a:t>
                 </a:r>
                 <a:r>
                   <a:rPr lang="en-US" dirty="0"/>
-                  <a:t>(n) = (p – 1)(q – 1)  when n = p * q</a:t>
+                  <a:t>(n) = (p</a:t>
                 </a:r>
-              </a:p>
-              <a:p>
+                <a:r>
+                  <a:rPr lang="en-US" baseline="30000" dirty="0"/>
+                  <a:t>1</a:t>
+                </a:r>
                 <a:r>
                   <a:rPr lang="en-US" dirty="0"/>
-                  <a:t>This is our equation for key generation</a:t>
+                  <a:t> – p</a:t>
+                </a:r>
+                <a:r>
+                  <a:rPr lang="en-US" baseline="30000" dirty="0"/>
+                  <a:t>0</a:t>
+                </a:r>
+                <a:r>
+                  <a:rPr lang="en-US" dirty="0"/>
+                  <a:t>)(q</a:t>
+                </a:r>
+                <a:r>
+                  <a:rPr lang="en-US" baseline="30000" dirty="0"/>
+                  <a:t>1</a:t>
+                </a:r>
+                <a:r>
+                  <a:rPr lang="en-US" dirty="0"/>
+                  <a:t> –q</a:t>
+                </a:r>
+                <a:r>
+                  <a:rPr lang="en-US" baseline="30000" dirty="0"/>
+                  <a:t>0</a:t>
+                </a:r>
+                <a:r>
+                  <a:rPr lang="en-US" dirty="0"/>
+                  <a:t>) = (p – 1)(q – 1) This is our equation for key generation</a:t>
                 </a:r>
               </a:p>
               <a:p>
@@ -8041,6 +10258,21 @@
                 <a:r>
                   <a:rPr lang="en-US" dirty="0"/>
                   <a:t>)(13 – 1) = 24</a:t>
+                </a:r>
+              </a:p>
+              <a:p>
+                <a:pPr lvl="1"/>
+                <a:r>
+                  <a:rPr lang="en-US" dirty="0"/>
+                  <a:t>15 = 3 * 5        </a:t>
+                </a:r>
+                <a:r>
+                  <a:rPr lang="el-GR" dirty="0"/>
+                  <a:t>Φ</a:t>
+                </a:r>
+                <a:r>
+                  <a:rPr lang="en-US" dirty="0"/>
+                  <a:t>(15) = (3 – 1)(5 – 1) = 8</a:t>
                 </a:r>
               </a:p>
             </p:txBody>
